--- a/證道投影片.pptx
+++ b/證道投影片.pptx
@@ -65,6 +65,19 @@
     <p:sldId id="3328" r:id="rId69"/>
     <p:sldId id="3329" r:id="rId70"/>
     <p:sldId id="3330" r:id="rId71"/>
+    <p:sldId id="3331" r:id="rId72"/>
+    <p:sldId id="3332" r:id="rId73"/>
+    <p:sldId id="3333" r:id="rId74"/>
+    <p:sldId id="3334" r:id="rId75"/>
+    <p:sldId id="3335" r:id="rId76"/>
+    <p:sldId id="3336" r:id="rId77"/>
+    <p:sldId id="3337" r:id="rId78"/>
+    <p:sldId id="3338" r:id="rId79"/>
+    <p:sldId id="3339" r:id="rId80"/>
+    <p:sldId id="3340" r:id="rId81"/>
+    <p:sldId id="3341" r:id="rId82"/>
+    <p:sldId id="3342" r:id="rId83"/>
+    <p:sldId id="3343" r:id="rId84"/>
   </p:sldIdLst>
   <p:sldSz cx="12192000" cy="6858000"/>
   <p:notesSz cx="6858000" cy="9144000"/>
@@ -17759,7 +17772,7 @@
           <p:cNvPr id="2" name="標題 1">
             <a:extLst>
               <a:ext uri="{FF2B5EF4-FFF2-40B4-BE49-F238E27FC236}">
-                <a16:creationId xmlns:a16="http://schemas.microsoft.com/office/drawing/2014/main" id="{30048CD0-F832-6351-1E07-07EC2D13A243}"/>
+                <a16:creationId xmlns:a16="http://schemas.microsoft.com/office/drawing/2014/main" id="{910BCF18-74FE-EDED-EFCD-12C29802E62C}"/>
               </a:ext>
             </a:extLst>
           </p:cNvPr>
@@ -17777,7 +17790,7 @@
           <a:p>
             <a:r>
               <a:rPr lang="zh-TW" altLang="zh-TW" dirty="0"/>
-              <a:t>士師記十七章</a:t>
+              <a:t>約翰福音十五章1-5節</a:t>
             </a:r>
             <a:r>
               <a:rPr lang="en-US" altLang="zh-TW" dirty="0"/>
@@ -17796,7 +17809,7 @@
           <p:cNvPr id="3" name="內容版面配置區 2">
             <a:extLst>
               <a:ext uri="{FF2B5EF4-FFF2-40B4-BE49-F238E27FC236}">
-                <a16:creationId xmlns:a16="http://schemas.microsoft.com/office/drawing/2014/main" id="{3AC27F14-4E8D-1702-4B7F-E3BB973C780D}"/>
+                <a16:creationId xmlns:a16="http://schemas.microsoft.com/office/drawing/2014/main" id="{11AD545B-D8C2-8589-43A3-DE3C6CE675FA}"/>
               </a:ext>
             </a:extLst>
           </p:cNvPr>
@@ -17812,14 +17825,14 @@
           <a:bodyPr/>
           <a:lstStyle/>
           <a:p>
-            <a:pPr marL="1163638" indent="-1163638"/>
+            <a:pPr marL="722313" indent="-722313"/>
             <a:r>
               <a:rPr lang="en-US" altLang="zh-TW" sz="6600" dirty="0"/>
-              <a:t>31.</a:t>
-            </a:r>
-            <a:r>
-              <a:rPr lang="zh-TW" altLang="zh-TW" dirty="0"/>
-              <a:t>	 神的殿在示羅多少日子，但人為自己設立米迦所雕刻的像也在但多少日子。</a:t>
+              <a:t>4.</a:t>
+            </a:r>
+            <a:r>
+              <a:rPr lang="zh-TW" altLang="en-US" dirty="0"/>
+              <a:t>你們要常在我裡面，我也常在你們裡面。枝子若不常在葡萄樹上，自己就不能結果子；你們若不常在我裡面，也是這樣。</a:t>
             </a:r>
             <a:endParaRPr lang="zh-TW" altLang="en-US" sz="6600" dirty="0"/>
           </a:p>
@@ -17834,6 +17847,95 @@
 </file>
 
 <file path=ppt/slides/slide11.xml><?xml version="1.0" encoding="utf-8"?>
+<p:sld xmlns:a="http://schemas.openxmlformats.org/drawingml/2006/main" xmlns:p="http://schemas.openxmlformats.org/presentationml/2006/main" xmlns:r="http://schemas.openxmlformats.org/officeDocument/2006/relationships">
+  <p:cSld>
+    <p:spTree>
+      <p:nvGrpSpPr>
+        <p:cNvPr id="1" name=""/>
+        <p:cNvGrpSpPr/>
+        <p:nvPr/>
+      </p:nvGrpSpPr>
+      <p:grpSpPr/>
+      <p:sp>
+        <p:nvSpPr>
+          <p:cNvPr id="2" name="標題 1">
+            <a:extLst>
+              <a:ext uri="{FF2B5EF4-FFF2-40B4-BE49-F238E27FC236}">
+                <a16:creationId xmlns:a16="http://schemas.microsoft.com/office/drawing/2014/main" id="{910BCF18-74FE-EDED-EFCD-12C29802E62C}"/>
+              </a:ext>
+            </a:extLst>
+          </p:cNvPr>
+          <p:cNvSpPr>
+            <a:spLocks noGrp="1"/>
+          </p:cNvSpPr>
+          <p:nvPr>
+            <p:ph type="title"/>
+          </p:nvPr>
+        </p:nvSpPr>
+        <p:spPr/>
+        <p:txBody>
+          <a:bodyPr/>
+          <a:lstStyle/>
+          <a:p>
+            <a:r>
+              <a:rPr lang="zh-TW" altLang="zh-TW" dirty="0"/>
+              <a:t>約翰福音十五章1-5節</a:t>
+            </a:r>
+            <a:r>
+              <a:rPr lang="en-US" altLang="zh-TW" dirty="0"/>
+              <a:t/>
+            </a:r>
+            <a:r>
+              <a:rPr lang="zh-TW" altLang="zh-TW" dirty="0"/>
+              <a:t/>
+            </a:r>
+            <a:endParaRPr lang="zh-TW" altLang="en-US" dirty="0"/>
+          </a:p>
+        </p:txBody>
+      </p:sp>
+      <p:sp>
+        <p:nvSpPr>
+          <p:cNvPr id="3" name="內容版面配置區 2">
+            <a:extLst>
+              <a:ext uri="{FF2B5EF4-FFF2-40B4-BE49-F238E27FC236}">
+                <a16:creationId xmlns:a16="http://schemas.microsoft.com/office/drawing/2014/main" id="{11AD545B-D8C2-8589-43A3-DE3C6CE675FA}"/>
+              </a:ext>
+            </a:extLst>
+          </p:cNvPr>
+          <p:cNvSpPr>
+            <a:spLocks noGrp="1"/>
+          </p:cNvSpPr>
+          <p:nvPr>
+            <p:ph idx="1"/>
+          </p:nvPr>
+        </p:nvSpPr>
+        <p:spPr/>
+        <p:txBody>
+          <a:bodyPr/>
+          <a:lstStyle/>
+          <a:p>
+            <a:pPr marL="722313" indent="-722313"/>
+            <a:r>
+              <a:rPr lang="en-US" altLang="zh-TW" sz="6600" dirty="0"/>
+              <a:t>5.</a:t>
+            </a:r>
+            <a:r>
+              <a:rPr lang="zh-TW" altLang="en-US" dirty="0"/>
+              <a:t>我是葡萄樹，你們是枝子。常在我裡面的，我也常在他裡面，這人就多結果子；因為離了我，你們就不能做甚麼。</a:t>
+            </a:r>
+            <a:endParaRPr lang="zh-TW" altLang="en-US" sz="6600" dirty="0"/>
+          </a:p>
+        </p:txBody>
+      </p:sp>
+    </p:spTree>
+  </p:cSld>
+  <p:clrMapOvr>
+    <a:masterClrMapping/>
+  </p:clrMapOvr>
+</p:sld>
+</file>
+
+<file path=ppt/slides/slide12.xml><?xml version="1.0" encoding="utf-8"?>
 <p:sld xmlns:a="http://schemas.openxmlformats.org/drawingml/2006/main" xmlns:p="http://schemas.openxmlformats.org/presentationml/2006/main" xmlns:r="http://schemas.openxmlformats.org/officeDocument/2006/relationships">
   <p:cSld>
     <p:spTree>
@@ -18125,7 +18227,7 @@
                 <a:latin typeface="華康行楷體 Std W5" panose="03000500000000000000" pitchFamily="66" charset="-120"/>
                 <a:ea typeface="華康行楷體 Std W5" panose="03000500000000000000" pitchFamily="66" charset="-120"/>
               </a:rPr>
-              <a:t>任意而行的世代：失序的信仰</a:t>
+              <a:t>與主相連！</a:t>
             </a:r>
             <a:endParaRPr lang="zh-TW" altLang="en-US" sz="8800" dirty="0">
               <a:solidFill>
@@ -18139,132 +18241,6 @@
               <a:latin typeface="華康行楷體 Std W5" panose="03000500000000000000" pitchFamily="66" charset="-120"/>
               <a:ea typeface="華康行楷體 Std W5" panose="03000500000000000000" pitchFamily="66" charset="-120"/>
             </a:endParaRPr>
-          </a:p>
-        </p:txBody>
-      </p:sp>
-    </p:spTree>
-  </p:cSld>
-  <p:clrMapOvr>
-    <a:masterClrMapping/>
-  </p:clrMapOvr>
-</p:sld>
-</file>
-
-<file path=ppt/slides/slide12.xml><?xml version="1.0" encoding="utf-8"?>
-<p:sld xmlns:a="http://schemas.openxmlformats.org/drawingml/2006/main" xmlns:p="http://schemas.openxmlformats.org/presentationml/2006/main" xmlns:r="http://schemas.openxmlformats.org/officeDocument/2006/relationships">
-  <p:cSld>
-    <p:spTree>
-      <p:nvGrpSpPr>
-        <p:cNvPr id="1" name=""/>
-        <p:cNvGrpSpPr/>
-        <p:nvPr/>
-      </p:nvGrpSpPr>
-      <p:grpSpPr/>
-      <p:sp>
-        <p:nvSpPr>
-          <p:cNvPr id="5" name="內容版面配置區 4"/>
-          <p:cNvSpPr>
-            <a:spLocks noGrp="1"/>
-          </p:cNvSpPr>
-          <p:nvPr>
-            <p:ph idx="1"/>
-          </p:nvPr>
-        </p:nvSpPr>
-        <p:spPr>
-          <a:xfrm>
-            <a:off x="695400" y="548680"/>
-            <a:ext cx="10801200" cy="5184576"/>
-          </a:xfrm>
-        </p:spPr>
-        <p:txBody>
-          <a:bodyPr/>
-          <a:lstStyle/>
-          <a:p>
-            <a:pPr marL="0" indent="0" eaLnBrk="1" hangingPunct="1">
-              <a:tabLst>
-                <a:tab pos="96838" algn="l"/>
-              </a:tabLst>
-            </a:pPr>
-            <a:r>
-              <a:rPr lang="zh-TW" altLang="zh-TW" sz="6600" dirty="0"/>
-              <a:t>聚會正在進行中</a:t>
-            </a:r>
-            <a:r>
-              <a:rPr lang="zh-TW" altLang="en-US" sz="6600" dirty="0"/>
-              <a:t>，</a:t>
-            </a:r>
-            <a:endParaRPr lang="zh-TW" altLang="zh-TW" sz="6600" dirty="0"/>
-          </a:p>
-          <a:p>
-            <a:pPr marL="0" indent="0" eaLnBrk="1" hangingPunct="1">
-              <a:lnSpc>
-                <a:spcPts val="8500"/>
-              </a:lnSpc>
-              <a:tabLst>
-                <a:tab pos="96838" algn="l"/>
-              </a:tabLst>
-            </a:pPr>
-            <a:r>
-              <a:rPr lang="zh-TW" altLang="zh-TW" sz="6600" dirty="0"/>
-              <a:t>敬請再確認個人的</a:t>
-            </a:r>
-            <a:r>
-              <a:rPr lang="zh-TW" altLang="zh-TW" sz="6600" u="sng" dirty="0">
-                <a:solidFill>
-                  <a:srgbClr val="FF0000"/>
-                </a:solidFill>
-              </a:rPr>
-              <a:t>手機</a:t>
-            </a:r>
-            <a:r>
-              <a:rPr lang="zh-TW" altLang="zh-TW" sz="6600" dirty="0"/>
-              <a:t>是否已轉成</a:t>
-            </a:r>
-            <a:r>
-              <a:rPr lang="zh-TW" altLang="zh-TW" sz="6600" u="sng" dirty="0">
-                <a:solidFill>
-                  <a:srgbClr val="FF0000"/>
-                </a:solidFill>
-              </a:rPr>
-              <a:t>靜音</a:t>
-            </a:r>
-            <a:r>
-              <a:rPr lang="zh-TW" altLang="zh-TW" sz="6600" dirty="0"/>
-              <a:t>或</a:t>
-            </a:r>
-            <a:r>
-              <a:rPr lang="zh-TW" altLang="zh-TW" sz="6600" u="sng" dirty="0">
-                <a:solidFill>
-                  <a:srgbClr val="FF0000"/>
-                </a:solidFill>
-              </a:rPr>
-              <a:t>振動</a:t>
-            </a:r>
-            <a:r>
-              <a:rPr lang="zh-TW" altLang="zh-TW" sz="6600" dirty="0"/>
-              <a:t>或</a:t>
-            </a:r>
-            <a:r>
-              <a:rPr lang="zh-TW" altLang="zh-TW" sz="6600" u="sng" dirty="0">
-                <a:solidFill>
-                  <a:srgbClr val="FF0000"/>
-                </a:solidFill>
-              </a:rPr>
-              <a:t>關機</a:t>
-            </a:r>
-            <a:r>
-              <a:rPr lang="zh-TW" altLang="en-US" sz="6600" dirty="0"/>
-              <a:t>，</a:t>
-            </a:r>
-            <a:r>
-              <a:rPr lang="zh-TW" altLang="zh-TW" sz="6600" dirty="0"/>
-              <a:t>以避免再度干擾聚會過程。謝謝您的合作</a:t>
-            </a:r>
-            <a:r>
-              <a:rPr lang="zh-TW" altLang="en-US" sz="6600" dirty="0"/>
-              <a:t>！</a:t>
-            </a:r>
-            <a:endParaRPr kumimoji="0" lang="zh-TW" altLang="zh-TW" sz="6600" dirty="0"/>
           </a:p>
         </p:txBody>
       </p:sp>
@@ -18288,39 +18264,109 @@
       <p:grpSpPr/>
       <p:sp>
         <p:nvSpPr>
-          <p:cNvPr id="2" name="標題 1">
-            <a:extLst>
-              <a:ext uri="{FF2B5EF4-FFF2-40B4-BE49-F238E27FC236}">
-                <a16:creationId xmlns:a16="http://schemas.microsoft.com/office/drawing/2014/main" id="{766E8075-240C-0C08-D6DB-B5E2CE3BE49B}"/>
-              </a:ext>
-            </a:extLst>
-          </p:cNvPr>
+          <p:cNvPr id="5" name="內容版面配置區 4"/>
           <p:cNvSpPr>
             <a:spLocks noGrp="1"/>
           </p:cNvSpPr>
           <p:nvPr>
-            <p:ph type="ctrTitle"/>
+            <p:ph idx="1"/>
           </p:nvPr>
         </p:nvSpPr>
         <p:spPr>
           <a:xfrm>
-            <a:off x="0" y="2848458"/>
-            <a:ext cx="12192000" cy="1161083"/>
+            <a:off x="695400" y="548680"/>
+            <a:ext cx="10801200" cy="5184576"/>
           </a:xfrm>
         </p:spPr>
         <p:txBody>
           <a:bodyPr/>
           <a:lstStyle/>
           <a:p>
-            <a:r>
-              <a:rPr lang="zh-TW" altLang="en-US" sz="7200" u="none" dirty="0"/>
-              <a:t>一、</a:t>
-            </a:r>
-            <a:r>
-              <a:rPr lang="zh-TW" altLang="zh-TW" sz="7200" u="none" dirty="0"/>
-              <a:t>我的上帝，我來定義</a:t>
-            </a:r>
-            <a:endParaRPr lang="zh-TW" altLang="en-US" sz="7200" u="none" dirty="0"/>
+            <a:pPr marL="0" indent="0" eaLnBrk="1" hangingPunct="1">
+              <a:tabLst>
+                <a:tab pos="96838" algn="l"/>
+              </a:tabLst>
+            </a:pPr>
+            <a:r>
+              <a:rPr lang="zh-TW" altLang="zh-TW" sz="6600" dirty="0"/>
+              <a:t>聚會正在進行中</a:t>
+            </a:r>
+            <a:r>
+              <a:rPr lang="zh-TW" altLang="en-US" sz="6600" dirty="0"/>
+              <a:t>，</a:t>
+            </a:r>
+            <a:endParaRPr lang="zh-TW" altLang="zh-TW" sz="6600" dirty="0"/>
+          </a:p>
+          <a:p>
+            <a:pPr marL="0" indent="0" eaLnBrk="1" hangingPunct="1">
+              <a:lnSpc>
+                <a:spcPts val="8500"/>
+              </a:lnSpc>
+              <a:tabLst>
+                <a:tab pos="96838" algn="l"/>
+              </a:tabLst>
+            </a:pPr>
+            <a:r>
+              <a:rPr lang="zh-TW" altLang="zh-TW" sz="6600" dirty="0"/>
+              <a:t>敬請再確認個人的</a:t>
+            </a:r>
+            <a:r>
+              <a:rPr lang="zh-TW" altLang="zh-TW" sz="6600" u="sng" dirty="0">
+                <a:solidFill>
+                  <a:srgbClr val="FF0000"/>
+                </a:solidFill>
+              </a:rPr>
+              <a:t>手機</a:t>
+            </a:r>
+            <a:r>
+              <a:rPr lang="zh-TW" altLang="zh-TW" sz="6600" dirty="0"/>
+              <a:t>是否已轉成</a:t>
+            </a:r>
+            <a:r>
+              <a:rPr lang="zh-TW" altLang="zh-TW" sz="6600" u="sng" dirty="0">
+                <a:solidFill>
+                  <a:srgbClr val="FF0000"/>
+                </a:solidFill>
+              </a:rPr>
+              <a:t>靜音</a:t>
+            </a:r>
+            <a:r>
+              <a:rPr lang="zh-TW" altLang="zh-TW" sz="6600" dirty="0"/>
+              <a:t>或</a:t>
+            </a:r>
+            <a:r>
+              <a:rPr lang="zh-TW" altLang="zh-TW" sz="6600" u="sng" dirty="0">
+                <a:solidFill>
+                  <a:srgbClr val="FF0000"/>
+                </a:solidFill>
+              </a:rPr>
+              <a:t>振動</a:t>
+            </a:r>
+            <a:r>
+              <a:rPr lang="zh-TW" altLang="zh-TW" sz="6600" dirty="0"/>
+              <a:t>或</a:t>
+            </a:r>
+            <a:r>
+              <a:rPr lang="zh-TW" altLang="zh-TW" sz="6600" u="sng" dirty="0">
+                <a:solidFill>
+                  <a:srgbClr val="FF0000"/>
+                </a:solidFill>
+              </a:rPr>
+              <a:t>關機</a:t>
+            </a:r>
+            <a:r>
+              <a:rPr lang="zh-TW" altLang="en-US" sz="6600" dirty="0"/>
+              <a:t>，</a:t>
+            </a:r>
+            <a:r>
+              <a:rPr lang="zh-TW" altLang="zh-TW" sz="6600" dirty="0"/>
+              <a:t>以避免再度干擾聚會過程。謝謝您的合作</a:t>
+            </a:r>
+            <a:r>
+              <a:rPr lang="zh-TW" altLang="en-US" sz="6600" dirty="0"/>
+              <a:t>！</a:t>
+            </a:r>
+            <a:endParaRPr kumimoji="0" lang="zh-TW" altLang="zh-TW" sz="6600" dirty="0"/>
           </a:p>
         </p:txBody>
       </p:sp>
@@ -18347,7 +18393,7 @@
           <p:cNvPr id="2" name="標題 1">
             <a:extLst>
               <a:ext uri="{FF2B5EF4-FFF2-40B4-BE49-F238E27FC236}">
-                <a16:creationId xmlns:a16="http://schemas.microsoft.com/office/drawing/2014/main" id="{DBB66779-FB94-D029-B5D4-C57E698E541E}"/>
+                <a16:creationId xmlns:a16="http://schemas.microsoft.com/office/drawing/2014/main" id="{766E8075-240C-0C08-D6DB-B5E2CE3BE49B}"/>
               </a:ext>
             </a:extLst>
           </p:cNvPr>
@@ -18355,58 +18401,28 @@
             <a:spLocks noGrp="1"/>
           </p:cNvSpPr>
           <p:nvPr>
-            <p:ph type="title"/>
-          </p:nvPr>
-        </p:nvSpPr>
-        <p:spPr/>
+            <p:ph type="ctrTitle"/>
+          </p:nvPr>
+        </p:nvSpPr>
+        <p:spPr>
+          <a:xfrm>
+            <a:off x="0" y="2848458"/>
+            <a:ext cx="12192000" cy="1161083"/>
+          </a:xfrm>
+        </p:spPr>
         <p:txBody>
           <a:bodyPr/>
           <a:lstStyle/>
           <a:p>
             <a:r>
-              <a:rPr lang="zh-TW" altLang="en-US" dirty="0"/>
+              <a:rPr lang="zh-TW" altLang="en-US" sz="7200" u="none" dirty="0"/>
               <a:t>一、</a:t>
             </a:r>
             <a:r>
-              <a:rPr lang="zh-TW" altLang="zh-TW" dirty="0"/>
-              <a:t>我的上帝，我來定義</a:t>
-            </a:r>
-            <a:endParaRPr lang="zh-TW" altLang="en-US" dirty="0"/>
-          </a:p>
-        </p:txBody>
-      </p:sp>
-      <p:sp>
-        <p:nvSpPr>
-          <p:cNvPr id="3" name="內容版面配置區 2">
-            <a:extLst>
-              <a:ext uri="{FF2B5EF4-FFF2-40B4-BE49-F238E27FC236}">
-                <a16:creationId xmlns:a16="http://schemas.microsoft.com/office/drawing/2014/main" id="{A9867EBA-A1D1-0619-147C-CF7790F05689}"/>
-              </a:ext>
-            </a:extLst>
-          </p:cNvPr>
-          <p:cNvSpPr>
-            <a:spLocks noGrp="1"/>
-          </p:cNvSpPr>
-          <p:nvPr>
-            <p:ph idx="1"/>
-          </p:nvPr>
-        </p:nvSpPr>
-        <p:spPr/>
-        <p:txBody>
-          <a:bodyPr/>
-          <a:lstStyle/>
-          <a:p>
-            <a:pPr algn="ctr"/>
-            <a:r>
-              <a:rPr lang="en-US" altLang="zh-TW" dirty="0"/>
-              <a:t>1.</a:t>
-            </a:r>
-            <a:r>
-              <a:rPr lang="zh-TW" altLang="zh-TW" dirty="0"/>
-              <a:t>毫無實質的生命
-</a:t>
-            </a:r>
-            <a:endParaRPr lang="zh-TW" altLang="en-US" dirty="0"/>
+              <a:rPr lang="zh-TW" altLang="zh-TW" sz="7200" u="none" dirty="0"/>
+              <a:t>領受多結果子的生命：</a:t>
+            </a:r>
+            <a:endParaRPr lang="zh-TW" altLang="en-US" sz="7200" u="none" dirty="0"/>
           </a:p>
         </p:txBody>
       </p:sp>
@@ -18433,7 +18449,7 @@
           <p:cNvPr id="2" name="標題 1">
             <a:extLst>
               <a:ext uri="{FF2B5EF4-FFF2-40B4-BE49-F238E27FC236}">
-                <a16:creationId xmlns:a16="http://schemas.microsoft.com/office/drawing/2014/main" id="{910BCF18-74FE-EDED-EFCD-12C29802E62C}"/>
+                <a16:creationId xmlns:a16="http://schemas.microsoft.com/office/drawing/2014/main" id="{DBB66779-FB94-D029-B5D4-C57E698E541E}"/>
               </a:ext>
             </a:extLst>
           </p:cNvPr>
@@ -18450,16 +18466,12 @@
           <a:lstStyle/>
           <a:p>
             <a:r>
+              <a:rPr lang="zh-TW" altLang="en-US" dirty="0"/>
+              <a:t>一、</a:t>
+            </a:r>
+            <a:r>
               <a:rPr lang="zh-TW" altLang="zh-TW" dirty="0"/>
-              <a:t>士師記十七章1-4節</a:t>
-            </a:r>
-            <a:r>
-              <a:rPr lang="en-US" altLang="zh-TW" dirty="0"/>
-              <a:t/>
-            </a:r>
-            <a:r>
-              <a:rPr lang="zh-TW" altLang="zh-TW" dirty="0"/>
-              <a:t/>
+              <a:t>領受多結果子的生命：</a:t>
             </a:r>
             <a:endParaRPr lang="zh-TW" altLang="en-US" dirty="0"/>
           </a:p>
@@ -18470,7 +18482,7 @@
           <p:cNvPr id="3" name="內容版面配置區 2">
             <a:extLst>
               <a:ext uri="{FF2B5EF4-FFF2-40B4-BE49-F238E27FC236}">
-                <a16:creationId xmlns:a16="http://schemas.microsoft.com/office/drawing/2014/main" id="{11AD545B-D8C2-8589-43A3-DE3C6CE675FA}"/>
+                <a16:creationId xmlns:a16="http://schemas.microsoft.com/office/drawing/2014/main" id="{A9867EBA-A1D1-0619-147C-CF7790F05689}"/>
               </a:ext>
             </a:extLst>
           </p:cNvPr>
@@ -18486,16 +18498,17 @@
           <a:bodyPr/>
           <a:lstStyle/>
           <a:p>
-            <a:pPr marL="722313" indent="-722313"/>
-            <a:r>
-              <a:rPr lang="en-US" altLang="zh-TW" sz="6600" dirty="0"/>
+            <a:pPr algn="ctr"/>
+            <a:r>
+              <a:rPr lang="en-US" altLang="zh-TW" dirty="0"/>
               <a:t>1.</a:t>
             </a:r>
             <a:r>
-              <a:rPr lang="zh-TW" altLang="en-US" dirty="0"/>
-              <a:t>以法蓮山地有一個人名叫米迦。</a:t>
-            </a:r>
-            <a:endParaRPr lang="zh-TW" altLang="en-US" sz="6600" dirty="0"/>
+              <a:rPr lang="zh-TW" altLang="zh-TW" dirty="0"/>
+              <a:t>悔改的果子
+</a:t>
+            </a:r>
+            <a:endParaRPr lang="zh-TW" altLang="en-US" dirty="0"/>
           </a:p>
         </p:txBody>
       </p:sp>
@@ -18540,7 +18553,7 @@
           <a:p>
             <a:r>
               <a:rPr lang="zh-TW" altLang="zh-TW" dirty="0"/>
-              <a:t>士師記十七章1-4節</a:t>
+              <a:t>馬太福音三章8-10節</a:t>
             </a:r>
             <a:r>
               <a:rPr lang="en-US" altLang="zh-TW" dirty="0"/>
@@ -18578,11 +18591,11 @@
             <a:pPr marL="722313" indent="-722313"/>
             <a:r>
               <a:rPr lang="en-US" altLang="zh-TW" sz="6600" dirty="0"/>
-              <a:t>2.</a:t>
+              <a:t>8.</a:t>
             </a:r>
             <a:r>
               <a:rPr lang="zh-TW" altLang="en-US" dirty="0"/>
-              <a:t>他對母親說：「你那一千一百舍客勒銀子被人拿去，你因此咒詛，並且告訴了我。看哪，這銀子在我這裡，是我拿去了。」他母親說：「我兒啊，願耶和華賜福與你！」</a:t>
+              <a:t>你們要結出果子來，與悔改的心相稱。</a:t>
             </a:r>
             <a:endParaRPr lang="zh-TW" altLang="en-US" sz="6600" dirty="0"/>
           </a:p>
@@ -18629,7 +18642,7 @@
           <a:p>
             <a:r>
               <a:rPr lang="zh-TW" altLang="zh-TW" dirty="0"/>
-              <a:t>士師記十七章1-4節</a:t>
+              <a:t>馬太福音三章8-10節</a:t>
             </a:r>
             <a:r>
               <a:rPr lang="en-US" altLang="zh-TW" dirty="0"/>
@@ -18667,11 +18680,11 @@
             <a:pPr marL="722313" indent="-722313"/>
             <a:r>
               <a:rPr lang="en-US" altLang="zh-TW" sz="6600" dirty="0"/>
-              <a:t>3.</a:t>
+              <a:t>9.</a:t>
             </a:r>
             <a:r>
               <a:rPr lang="zh-TW" altLang="en-US" dirty="0"/>
-              <a:t>米迦就把這一千一百舍客勒銀子還他母親。他母親說：「我分出這銀子來為你獻給耶和華，好雕刻一個像，鑄成一個像。現在我還是交給你。」</a:t>
+              <a:t>不要自己心裡說：『有亞伯拉罕為我們的祖宗。』我告訴你們， 神能從這些石頭中給亞伯拉罕興起子孫來。</a:t>
             </a:r>
             <a:endParaRPr lang="zh-TW" altLang="en-US" sz="6600" dirty="0"/>
           </a:p>
@@ -18700,7 +18713,7 @@
           <p:cNvPr id="2" name="標題 1">
             <a:extLst>
               <a:ext uri="{FF2B5EF4-FFF2-40B4-BE49-F238E27FC236}">
-                <a16:creationId xmlns:a16="http://schemas.microsoft.com/office/drawing/2014/main" id="{910BCF18-74FE-EDED-EFCD-12C29802E62C}"/>
+                <a16:creationId xmlns:a16="http://schemas.microsoft.com/office/drawing/2014/main" id="{30048CD0-F832-6351-1E07-07EC2D13A243}"/>
               </a:ext>
             </a:extLst>
           </p:cNvPr>
@@ -18718,7 +18731,7 @@
           <a:p>
             <a:r>
               <a:rPr lang="zh-TW" altLang="zh-TW" dirty="0"/>
-              <a:t>士師記十七章1-4節</a:t>
+              <a:t>馬太福音三章8-10節</a:t>
             </a:r>
             <a:r>
               <a:rPr lang="en-US" altLang="zh-TW" dirty="0"/>
@@ -18737,7 +18750,7 @@
           <p:cNvPr id="3" name="內容版面配置區 2">
             <a:extLst>
               <a:ext uri="{FF2B5EF4-FFF2-40B4-BE49-F238E27FC236}">
-                <a16:creationId xmlns:a16="http://schemas.microsoft.com/office/drawing/2014/main" id="{11AD545B-D8C2-8589-43A3-DE3C6CE675FA}"/>
+                <a16:creationId xmlns:a16="http://schemas.microsoft.com/office/drawing/2014/main" id="{3AC27F14-4E8D-1702-4B7F-E3BB973C780D}"/>
               </a:ext>
             </a:extLst>
           </p:cNvPr>
@@ -18753,14 +18766,14 @@
           <a:bodyPr/>
           <a:lstStyle/>
           <a:p>
-            <a:pPr marL="722313" indent="-722313"/>
+            <a:pPr marL="1163638" indent="-1163638"/>
             <a:r>
               <a:rPr lang="en-US" altLang="zh-TW" sz="6600" dirty="0"/>
-              <a:t>4.</a:t>
-            </a:r>
-            <a:r>
-              <a:rPr lang="zh-TW" altLang="en-US" dirty="0"/>
-              <a:t>米迦將銀子還他母親，他母親將二百舍客勒銀子交給銀匠，雕刻一個像，鑄成一個像，安置在米迦的屋內。</a:t>
+              <a:t>10.</a:t>
+            </a:r>
+            <a:r>
+              <a:rPr lang="zh-TW" altLang="zh-TW" dirty="0"/>
+              <a:t>現在斧子已經放在樹根上，凡不結好果子的樹就砍下來，丟在火裡。</a:t>
             </a:r>
             <a:endParaRPr lang="zh-TW" altLang="en-US" sz="6600" dirty="0"/>
           </a:p>
@@ -18811,7 +18824,7 @@
             </a:r>
             <a:r>
               <a:rPr lang="zh-TW" altLang="zh-TW" dirty="0"/>
-              <a:t>我的上帝，我來定義</a:t>
+              <a:t>領受多結果子的生命：</a:t>
             </a:r>
             <a:endParaRPr lang="zh-TW" altLang="en-US" dirty="0"/>
           </a:p>
@@ -18845,14 +18858,14 @@
             </a:r>
             <a:r>
               <a:rPr lang="zh-TW" altLang="zh-TW" dirty="0"/>
-              <a:t>毫無實質的生命
+              <a:t>悔改的果子
 </a:t>
             </a:r>
             <a:r>
               <a:t>2.</a:t>
             </a:r>
             <a:r>
-              <a:t>合我胃口的上帝
+              <a:t>與神和好的果子
 </a:t>
             </a:r>
             <a:endParaRPr lang="zh-TW" altLang="en-US" dirty="0"/>
@@ -19211,7 +19224,7 @@
           <p:cNvPr id="2" name="標題 1">
             <a:extLst>
               <a:ext uri="{FF2B5EF4-FFF2-40B4-BE49-F238E27FC236}">
-                <a16:creationId xmlns:a16="http://schemas.microsoft.com/office/drawing/2014/main" id="{910BCF18-74FE-EDED-EFCD-12C29802E62C}"/>
+                <a16:creationId xmlns:a16="http://schemas.microsoft.com/office/drawing/2014/main" id="{30048CD0-F832-6351-1E07-07EC2D13A243}"/>
               </a:ext>
             </a:extLst>
           </p:cNvPr>
@@ -19229,7 +19242,7 @@
           <a:p>
             <a:r>
               <a:rPr lang="zh-TW" altLang="zh-TW" dirty="0"/>
-              <a:t>士師記十七章3-5節</a:t>
+              <a:t>希伯來書十二章11節</a:t>
             </a:r>
             <a:r>
               <a:rPr lang="en-US" altLang="zh-TW" dirty="0"/>
@@ -19248,7 +19261,7 @@
           <p:cNvPr id="3" name="內容版面配置區 2">
             <a:extLst>
               <a:ext uri="{FF2B5EF4-FFF2-40B4-BE49-F238E27FC236}">
-                <a16:creationId xmlns:a16="http://schemas.microsoft.com/office/drawing/2014/main" id="{11AD545B-D8C2-8589-43A3-DE3C6CE675FA}"/>
+                <a16:creationId xmlns:a16="http://schemas.microsoft.com/office/drawing/2014/main" id="{3AC27F14-4E8D-1702-4B7F-E3BB973C780D}"/>
               </a:ext>
             </a:extLst>
           </p:cNvPr>
@@ -19264,14 +19277,14 @@
           <a:bodyPr/>
           <a:lstStyle/>
           <a:p>
-            <a:pPr marL="722313" indent="-722313"/>
+            <a:pPr marL="1163638" indent="-1163638"/>
             <a:r>
               <a:rPr lang="en-US" altLang="zh-TW" sz="6600" dirty="0"/>
-              <a:t>3.</a:t>
-            </a:r>
-            <a:r>
-              <a:rPr lang="zh-TW" altLang="en-US" dirty="0"/>
-              <a:t>米迦就把這一千一百舍客勒銀子還他母親。他母親說：「我分出這銀子來為你獻給耶和華，好雕刻一個像，鑄成一個像。現在我還是交給你。」</a:t>
+              <a:t>11.</a:t>
+            </a:r>
+            <a:r>
+              <a:rPr lang="zh-TW" altLang="zh-TW" dirty="0"/>
+              <a:t>凡管教的事，當時不覺得快樂，反覺得愁苦；後來卻為那經練過的人結出平安的果子，就是義。</a:t>
             </a:r>
             <a:endParaRPr lang="zh-TW" altLang="en-US" sz="6600" dirty="0"/>
           </a:p>
@@ -19300,7 +19313,7 @@
           <p:cNvPr id="2" name="標題 1">
             <a:extLst>
               <a:ext uri="{FF2B5EF4-FFF2-40B4-BE49-F238E27FC236}">
-                <a16:creationId xmlns:a16="http://schemas.microsoft.com/office/drawing/2014/main" id="{910BCF18-74FE-EDED-EFCD-12C29802E62C}"/>
+                <a16:creationId xmlns:a16="http://schemas.microsoft.com/office/drawing/2014/main" id="{DBB66779-FB94-D029-B5D4-C57E698E541E}"/>
               </a:ext>
             </a:extLst>
           </p:cNvPr>
@@ -19317,16 +19330,12 @@
           <a:lstStyle/>
           <a:p>
             <a:r>
+              <a:rPr lang="zh-TW" altLang="en-US" dirty="0"/>
+              <a:t>一、</a:t>
+            </a:r>
+            <a:r>
               <a:rPr lang="zh-TW" altLang="zh-TW" dirty="0"/>
-              <a:t>士師記十七章3-5節</a:t>
-            </a:r>
-            <a:r>
-              <a:rPr lang="en-US" altLang="zh-TW" dirty="0"/>
-              <a:t/>
-            </a:r>
-            <a:r>
-              <a:rPr lang="zh-TW" altLang="zh-TW" dirty="0"/>
-              <a:t/>
+              <a:t>領受多結果子的生命：</a:t>
             </a:r>
             <a:endParaRPr lang="zh-TW" altLang="en-US" dirty="0"/>
           </a:p>
@@ -19337,7 +19346,7 @@
           <p:cNvPr id="3" name="內容版面配置區 2">
             <a:extLst>
               <a:ext uri="{FF2B5EF4-FFF2-40B4-BE49-F238E27FC236}">
-                <a16:creationId xmlns:a16="http://schemas.microsoft.com/office/drawing/2014/main" id="{11AD545B-D8C2-8589-43A3-DE3C6CE675FA}"/>
+                <a16:creationId xmlns:a16="http://schemas.microsoft.com/office/drawing/2014/main" id="{A9867EBA-A1D1-0619-147C-CF7790F05689}"/>
               </a:ext>
             </a:extLst>
           </p:cNvPr>
@@ -19353,16 +19362,31 @@
           <a:bodyPr/>
           <a:lstStyle/>
           <a:p>
-            <a:pPr marL="722313" indent="-722313"/>
-            <a:r>
-              <a:rPr lang="en-US" altLang="zh-TW" sz="6600" dirty="0"/>
-              <a:t>4.</a:t>
-            </a:r>
-            <a:r>
-              <a:rPr lang="zh-TW" altLang="en-US" dirty="0"/>
-              <a:t>米迦將銀子還他母親，他母親將二百舍客勒銀子交給銀匠，雕刻一個像，鑄成一個像，安置在米迦的屋內。</a:t>
-            </a:r>
-            <a:endParaRPr lang="zh-TW" altLang="en-US" sz="6600" dirty="0"/>
+            <a:pPr algn="ctr"/>
+            <a:r>
+              <a:rPr lang="en-US" altLang="zh-TW" dirty="0"/>
+              <a:t>1.</a:t>
+            </a:r>
+            <a:r>
+              <a:rPr lang="zh-TW" altLang="zh-TW" dirty="0"/>
+              <a:t>悔改的果子
+</a:t>
+            </a:r>
+            <a:r>
+              <a:t>2.</a:t>
+            </a:r>
+            <a:r>
+              <a:t>與神和好的果子
+</a:t>
+            </a:r>
+            <a:r>
+              <a:t>3.</a:t>
+            </a:r>
+            <a:r>
+              <a:t>活像耶穌生命的果子
+</a:t>
+            </a:r>
+            <a:endParaRPr lang="zh-TW" altLang="en-US" dirty="0"/>
           </a:p>
         </p:txBody>
       </p:sp>
@@ -19389,7 +19413,7 @@
           <p:cNvPr id="2" name="標題 1">
             <a:extLst>
               <a:ext uri="{FF2B5EF4-FFF2-40B4-BE49-F238E27FC236}">
-                <a16:creationId xmlns:a16="http://schemas.microsoft.com/office/drawing/2014/main" id="{910BCF18-74FE-EDED-EFCD-12C29802E62C}"/>
+                <a16:creationId xmlns:a16="http://schemas.microsoft.com/office/drawing/2014/main" id="{30048CD0-F832-6351-1E07-07EC2D13A243}"/>
               </a:ext>
             </a:extLst>
           </p:cNvPr>
@@ -19407,7 +19431,7 @@
           <a:p>
             <a:r>
               <a:rPr lang="zh-TW" altLang="zh-TW" dirty="0"/>
-              <a:t>士師記十七章3-5節</a:t>
+              <a:t>加拉太書五章22-23節</a:t>
             </a:r>
             <a:r>
               <a:rPr lang="en-US" altLang="zh-TW" dirty="0"/>
@@ -19426,7 +19450,7 @@
           <p:cNvPr id="3" name="內容版面配置區 2">
             <a:extLst>
               <a:ext uri="{FF2B5EF4-FFF2-40B4-BE49-F238E27FC236}">
-                <a16:creationId xmlns:a16="http://schemas.microsoft.com/office/drawing/2014/main" id="{11AD545B-D8C2-8589-43A3-DE3C6CE675FA}"/>
+                <a16:creationId xmlns:a16="http://schemas.microsoft.com/office/drawing/2014/main" id="{3AC27F14-4E8D-1702-4B7F-E3BB973C780D}"/>
               </a:ext>
             </a:extLst>
           </p:cNvPr>
@@ -19442,14 +19466,14 @@
           <a:bodyPr/>
           <a:lstStyle/>
           <a:p>
-            <a:pPr marL="722313" indent="-722313"/>
+            <a:pPr marL="1163638" indent="-1163638"/>
             <a:r>
               <a:rPr lang="en-US" altLang="zh-TW" sz="6600" dirty="0"/>
-              <a:t>5.</a:t>
-            </a:r>
-            <a:r>
-              <a:rPr lang="zh-TW" altLang="en-US" dirty="0"/>
-              <a:t>這米迦有了神堂，又製造以弗得和家中的神像，分派他一個兒子作祭司。</a:t>
+              <a:t>22.</a:t>
+            </a:r>
+            <a:r>
+              <a:rPr lang="zh-TW" altLang="zh-TW" dirty="0"/>
+              <a:t>聖靈所結的果子，就是仁愛、喜樂、和平、忍耐、恩慈、良善、信實、</a:t>
             </a:r>
             <a:endParaRPr lang="zh-TW" altLang="en-US" sz="6600" dirty="0"/>
           </a:p>
@@ -19478,7 +19502,7 @@
           <p:cNvPr id="2" name="標題 1">
             <a:extLst>
               <a:ext uri="{FF2B5EF4-FFF2-40B4-BE49-F238E27FC236}">
-                <a16:creationId xmlns:a16="http://schemas.microsoft.com/office/drawing/2014/main" id="{DBB66779-FB94-D029-B5D4-C57E698E541E}"/>
+                <a16:creationId xmlns:a16="http://schemas.microsoft.com/office/drawing/2014/main" id="{30048CD0-F832-6351-1E07-07EC2D13A243}"/>
               </a:ext>
             </a:extLst>
           </p:cNvPr>
@@ -19495,12 +19519,16 @@
           <a:lstStyle/>
           <a:p>
             <a:r>
-              <a:rPr lang="zh-TW" altLang="en-US" dirty="0"/>
-              <a:t>一、</a:t>
-            </a:r>
-            <a:r>
               <a:rPr lang="zh-TW" altLang="zh-TW" dirty="0"/>
-              <a:t>我的上帝，我來定義</a:t>
+              <a:t>加拉太書五章22-23節</a:t>
+            </a:r>
+            <a:r>
+              <a:rPr lang="en-US" altLang="zh-TW" dirty="0"/>
+              <a:t/>
+            </a:r>
+            <a:r>
+              <a:rPr lang="zh-TW" altLang="zh-TW" dirty="0"/>
+              <a:t/>
             </a:r>
             <a:endParaRPr lang="zh-TW" altLang="en-US" dirty="0"/>
           </a:p>
@@ -19511,7 +19539,7 @@
           <p:cNvPr id="3" name="內容版面配置區 2">
             <a:extLst>
               <a:ext uri="{FF2B5EF4-FFF2-40B4-BE49-F238E27FC236}">
-                <a16:creationId xmlns:a16="http://schemas.microsoft.com/office/drawing/2014/main" id="{A9867EBA-A1D1-0619-147C-CF7790F05689}"/>
+                <a16:creationId xmlns:a16="http://schemas.microsoft.com/office/drawing/2014/main" id="{3AC27F14-4E8D-1702-4B7F-E3BB973C780D}"/>
               </a:ext>
             </a:extLst>
           </p:cNvPr>
@@ -19527,31 +19555,16 @@
           <a:bodyPr/>
           <a:lstStyle/>
           <a:p>
-            <a:pPr algn="ctr"/>
-            <a:r>
-              <a:rPr lang="en-US" altLang="zh-TW" dirty="0"/>
-              <a:t>1.</a:t>
+            <a:pPr marL="1163638" indent="-1163638"/>
+            <a:r>
+              <a:rPr lang="en-US" altLang="zh-TW" sz="6600" dirty="0"/>
+              <a:t>23.</a:t>
             </a:r>
             <a:r>
               <a:rPr lang="zh-TW" altLang="zh-TW" dirty="0"/>
-              <a:t>毫無實質的生命
-</a:t>
-            </a:r>
-            <a:r>
-              <a:t>2.</a:t>
-            </a:r>
-            <a:r>
-              <a:t>合我胃口的上帝
-</a:t>
-            </a:r>
-            <a:r>
-              <a:t>3.</a:t>
-            </a:r>
-            <a:r>
-              <a:t>自我掌控的信仰
-</a:t>
-            </a:r>
-            <a:endParaRPr lang="zh-TW" altLang="en-US" dirty="0"/>
+              <a:t>溫柔、節制。這樣的事沒有律法禁止。</a:t>
+            </a:r>
+            <a:endParaRPr lang="zh-TW" altLang="en-US" sz="6600" dirty="0"/>
           </a:p>
         </p:txBody>
       </p:sp>
@@ -19596,7 +19609,7 @@
           <a:p>
             <a:r>
               <a:rPr lang="zh-TW" altLang="zh-TW" dirty="0"/>
-              <a:t>士師記十七章7-13節</a:t>
+              <a:t>以弗所書五章9節</a:t>
             </a:r>
             <a:r>
               <a:rPr lang="en-US" altLang="zh-TW" dirty="0"/>
@@ -19634,11 +19647,11 @@
             <a:pPr marL="722313" indent="-722313"/>
             <a:r>
               <a:rPr lang="en-US" altLang="zh-TW" sz="6600" dirty="0"/>
-              <a:t>7.</a:t>
+              <a:t>9.</a:t>
             </a:r>
             <a:r>
               <a:rPr lang="zh-TW" altLang="en-US" dirty="0"/>
-              <a:t>猶大的伯利恆有一個少年人，是猶大族的利未人，他在那裡寄居。</a:t>
+              <a:t>光明所結的果子就是一切良善、公義、誠實。</a:t>
             </a:r>
             <a:endParaRPr lang="zh-TW" altLang="en-US" sz="6600" dirty="0"/>
           </a:p>
@@ -19667,7 +19680,7 @@
           <p:cNvPr id="2" name="標題 1">
             <a:extLst>
               <a:ext uri="{FF2B5EF4-FFF2-40B4-BE49-F238E27FC236}">
-                <a16:creationId xmlns:a16="http://schemas.microsoft.com/office/drawing/2014/main" id="{910BCF18-74FE-EDED-EFCD-12C29802E62C}"/>
+                <a16:creationId xmlns:a16="http://schemas.microsoft.com/office/drawing/2014/main" id="{DBB66779-FB94-D029-B5D4-C57E698E541E}"/>
               </a:ext>
             </a:extLst>
           </p:cNvPr>
@@ -19684,16 +19697,12 @@
           <a:lstStyle/>
           <a:p>
             <a:r>
+              <a:rPr lang="zh-TW" altLang="en-US" dirty="0"/>
+              <a:t>一、</a:t>
+            </a:r>
+            <a:r>
               <a:rPr lang="zh-TW" altLang="zh-TW" dirty="0"/>
-              <a:t>士師記十七章7-13節</a:t>
-            </a:r>
-            <a:r>
-              <a:rPr lang="en-US" altLang="zh-TW" dirty="0"/>
-              <a:t/>
-            </a:r>
-            <a:r>
-              <a:rPr lang="zh-TW" altLang="zh-TW" dirty="0"/>
-              <a:t/>
+              <a:t>領受多結果子的生命：</a:t>
             </a:r>
             <a:endParaRPr lang="zh-TW" altLang="en-US" dirty="0"/>
           </a:p>
@@ -19704,7 +19713,7 @@
           <p:cNvPr id="3" name="內容版面配置區 2">
             <a:extLst>
               <a:ext uri="{FF2B5EF4-FFF2-40B4-BE49-F238E27FC236}">
-                <a16:creationId xmlns:a16="http://schemas.microsoft.com/office/drawing/2014/main" id="{11AD545B-D8C2-8589-43A3-DE3C6CE675FA}"/>
+                <a16:creationId xmlns:a16="http://schemas.microsoft.com/office/drawing/2014/main" id="{A9867EBA-A1D1-0619-147C-CF7790F05689}"/>
               </a:ext>
             </a:extLst>
           </p:cNvPr>
@@ -19720,16 +19729,38 @@
           <a:bodyPr/>
           <a:lstStyle/>
           <a:p>
-            <a:pPr marL="722313" indent="-722313"/>
-            <a:r>
-              <a:rPr lang="en-US" altLang="zh-TW" sz="6600" dirty="0"/>
-              <a:t>8.</a:t>
-            </a:r>
-            <a:r>
-              <a:rPr lang="zh-TW" altLang="en-US" dirty="0"/>
-              <a:t>這人離開猶大的伯利恆城，要找一個可住的地方。行路的時候，到了以法蓮山地，走到米迦的家。</a:t>
-            </a:r>
-            <a:endParaRPr lang="zh-TW" altLang="en-US" sz="6600" dirty="0"/>
+            <a:pPr algn="ctr"/>
+            <a:r>
+              <a:rPr lang="en-US" altLang="zh-TW" dirty="0"/>
+              <a:t>1.</a:t>
+            </a:r>
+            <a:r>
+              <a:rPr lang="zh-TW" altLang="zh-TW" dirty="0"/>
+              <a:t>悔改的果子
+</a:t>
+            </a:r>
+            <a:r>
+              <a:t>2.</a:t>
+            </a:r>
+            <a:r>
+              <a:t>與神和好的果子
+</a:t>
+            </a:r>
+            <a:r>
+              <a:t>3.</a:t>
+            </a:r>
+            <a:r>
+              <a:t>活像耶穌生命的果子
+</a:t>
+            </a:r>
+            <a:r>
+              <a:t>4.</a:t>
+            </a:r>
+            <a:r>
+              <a:t>善事的果子
+</a:t>
+            </a:r>
+            <a:endParaRPr lang="zh-TW" altLang="en-US" dirty="0"/>
           </a:p>
         </p:txBody>
       </p:sp>
@@ -19756,7 +19787,7 @@
           <p:cNvPr id="2" name="標題 1">
             <a:extLst>
               <a:ext uri="{FF2B5EF4-FFF2-40B4-BE49-F238E27FC236}">
-                <a16:creationId xmlns:a16="http://schemas.microsoft.com/office/drawing/2014/main" id="{910BCF18-74FE-EDED-EFCD-12C29802E62C}"/>
+                <a16:creationId xmlns:a16="http://schemas.microsoft.com/office/drawing/2014/main" id="{30048CD0-F832-6351-1E07-07EC2D13A243}"/>
               </a:ext>
             </a:extLst>
           </p:cNvPr>
@@ -19774,7 +19805,7 @@
           <a:p>
             <a:r>
               <a:rPr lang="zh-TW" altLang="zh-TW" dirty="0"/>
-              <a:t>士師記十七章7-13節</a:t>
+              <a:t>歌羅西書一章10節</a:t>
             </a:r>
             <a:r>
               <a:rPr lang="en-US" altLang="zh-TW" dirty="0"/>
@@ -19793,7 +19824,7 @@
           <p:cNvPr id="3" name="內容版面配置區 2">
             <a:extLst>
               <a:ext uri="{FF2B5EF4-FFF2-40B4-BE49-F238E27FC236}">
-                <a16:creationId xmlns:a16="http://schemas.microsoft.com/office/drawing/2014/main" id="{11AD545B-D8C2-8589-43A3-DE3C6CE675FA}"/>
+                <a16:creationId xmlns:a16="http://schemas.microsoft.com/office/drawing/2014/main" id="{3AC27F14-4E8D-1702-4B7F-E3BB973C780D}"/>
               </a:ext>
             </a:extLst>
           </p:cNvPr>
@@ -19809,14 +19840,14 @@
           <a:bodyPr/>
           <a:lstStyle/>
           <a:p>
-            <a:pPr marL="722313" indent="-722313"/>
+            <a:pPr marL="1163638" indent="-1163638"/>
             <a:r>
               <a:rPr lang="en-US" altLang="zh-TW" sz="6600" dirty="0"/>
-              <a:t>9.</a:t>
-            </a:r>
-            <a:r>
-              <a:rPr lang="zh-TW" altLang="en-US" dirty="0"/>
-              <a:t>米迦問他說：「你從哪裡來？」他回答說：「從猶大的伯利恆來。我是利未人，要找一個可住的地方。」</a:t>
+              <a:t>10.</a:t>
+            </a:r>
+            <a:r>
+              <a:rPr lang="zh-TW" altLang="zh-TW" dirty="0"/>
+              <a:t>好叫你們行事為人對得起主，凡事蒙他喜悅，在一切善事上結果子，漸漸地多知道 神；</a:t>
             </a:r>
             <a:endParaRPr lang="zh-TW" altLang="en-US" sz="6600" dirty="0"/>
           </a:p>
@@ -19863,7 +19894,7 @@
           <a:p>
             <a:r>
               <a:rPr lang="zh-TW" altLang="zh-TW" dirty="0"/>
-              <a:t>士師記十七章7-13節</a:t>
+              <a:t>以弗所書二章10節</a:t>
             </a:r>
             <a:r>
               <a:rPr lang="en-US" altLang="zh-TW" dirty="0"/>
@@ -19905,7 +19936,7 @@
             </a:r>
             <a:r>
               <a:rPr lang="zh-TW" altLang="zh-TW" dirty="0"/>
-              <a:t>米迦說：「你可以住在我這裡，我以你為父、為祭司。我每年給你十舍客勒銀子，一套衣服和度日的食物。」利未人就進了他的家。</a:t>
+              <a:t>我們原是他的工作，在基督耶穌裡造成的，為要叫我們行善，就是 神所預備叫我們行的。</a:t>
             </a:r>
             <a:endParaRPr lang="zh-TW" altLang="en-US" sz="6600" dirty="0"/>
           </a:p>
@@ -19934,7 +19965,7 @@
           <p:cNvPr id="2" name="標題 1">
             <a:extLst>
               <a:ext uri="{FF2B5EF4-FFF2-40B4-BE49-F238E27FC236}">
-                <a16:creationId xmlns:a16="http://schemas.microsoft.com/office/drawing/2014/main" id="{30048CD0-F832-6351-1E07-07EC2D13A243}"/>
+                <a16:creationId xmlns:a16="http://schemas.microsoft.com/office/drawing/2014/main" id="{DBB66779-FB94-D029-B5D4-C57E698E541E}"/>
               </a:ext>
             </a:extLst>
           </p:cNvPr>
@@ -19951,16 +19982,12 @@
           <a:lstStyle/>
           <a:p>
             <a:r>
+              <a:rPr lang="zh-TW" altLang="en-US" dirty="0"/>
+              <a:t>一、</a:t>
+            </a:r>
+            <a:r>
               <a:rPr lang="zh-TW" altLang="zh-TW" dirty="0"/>
-              <a:t>士師記十七章7-13節</a:t>
-            </a:r>
-            <a:r>
-              <a:rPr lang="en-US" altLang="zh-TW" dirty="0"/>
-              <a:t/>
-            </a:r>
-            <a:r>
-              <a:rPr lang="zh-TW" altLang="zh-TW" dirty="0"/>
-              <a:t/>
+              <a:t>領受多結果子的生命：</a:t>
             </a:r>
             <a:endParaRPr lang="zh-TW" altLang="en-US" dirty="0"/>
           </a:p>
@@ -19971,7 +19998,7 @@
           <p:cNvPr id="3" name="內容版面配置區 2">
             <a:extLst>
               <a:ext uri="{FF2B5EF4-FFF2-40B4-BE49-F238E27FC236}">
-                <a16:creationId xmlns:a16="http://schemas.microsoft.com/office/drawing/2014/main" id="{3AC27F14-4E8D-1702-4B7F-E3BB973C780D}"/>
+                <a16:creationId xmlns:a16="http://schemas.microsoft.com/office/drawing/2014/main" id="{A9867EBA-A1D1-0619-147C-CF7790F05689}"/>
               </a:ext>
             </a:extLst>
           </p:cNvPr>
@@ -19987,16 +20014,45 @@
           <a:bodyPr/>
           <a:lstStyle/>
           <a:p>
-            <a:pPr marL="1163638" indent="-1163638"/>
-            <a:r>
-              <a:rPr lang="en-US" altLang="zh-TW" sz="6600" dirty="0"/>
-              <a:t>11.</a:t>
+            <a:pPr algn="ctr"/>
+            <a:r>
+              <a:rPr lang="en-US" altLang="zh-TW" dirty="0"/>
+              <a:t>1.</a:t>
             </a:r>
             <a:r>
               <a:rPr lang="zh-TW" altLang="zh-TW" dirty="0"/>
-              <a:t>利未人情願與那人同住；那人看這少年人如自己的兒子一樣。</a:t>
-            </a:r>
-            <a:endParaRPr lang="zh-TW" altLang="en-US" sz="6600" dirty="0"/>
+              <a:t>悔改的果子
+</a:t>
+            </a:r>
+            <a:r>
+              <a:t>2.</a:t>
+            </a:r>
+            <a:r>
+              <a:t>與神和好的果子
+</a:t>
+            </a:r>
+            <a:r>
+              <a:t>3.</a:t>
+            </a:r>
+            <a:r>
+              <a:t>活像耶穌生命的果子
+</a:t>
+            </a:r>
+            <a:r>
+              <a:t>4.</a:t>
+            </a:r>
+            <a:r>
+              <a:t>善事的果子
+</a:t>
+            </a:r>
+            <a:r>
+              <a:t>5.</a:t>
+            </a:r>
+            <a:r>
+              <a:t>福音的果子
+</a:t>
+            </a:r>
+            <a:endParaRPr lang="zh-TW" altLang="en-US" dirty="0"/>
           </a:p>
         </p:txBody>
       </p:sp>
@@ -20041,7 +20097,7 @@
           <a:p>
             <a:r>
               <a:rPr lang="zh-TW" altLang="zh-TW" dirty="0"/>
-              <a:t>士師記十七章7-13節</a:t>
+              <a:t>羅馬書一章13節</a:t>
             </a:r>
             <a:r>
               <a:rPr lang="en-US" altLang="zh-TW" dirty="0"/>
@@ -20079,11 +20135,11 @@
             <a:pPr marL="1163638" indent="-1163638"/>
             <a:r>
               <a:rPr lang="en-US" altLang="zh-TW" sz="6600" dirty="0"/>
-              <a:t>12.</a:t>
+              <a:t>13.</a:t>
             </a:r>
             <a:r>
               <a:rPr lang="zh-TW" altLang="zh-TW" dirty="0"/>
-              <a:t>米迦分派這少年的利未人作祭司，他就住在米迦的家裡。</a:t>
+              <a:t>弟兄們，我不願意你們不知道，我屢次定意往你們那裡去，要在你們中間得些果子，如同在其餘的外邦人中一樣；只是到如今仍有阻隔。</a:t>
             </a:r>
             <a:endParaRPr lang="zh-TW" altLang="en-US" sz="6600" dirty="0"/>
           </a:p>
@@ -20268,7 +20324,7 @@
           <a:p>
             <a:r>
               <a:rPr lang="zh-TW" altLang="zh-TW" dirty="0"/>
-              <a:t>士師記十七章7-13節</a:t>
+              <a:t>約翰福音十五章16節</a:t>
             </a:r>
             <a:r>
               <a:rPr lang="en-US" altLang="zh-TW" dirty="0"/>
@@ -20306,11 +20362,11 @@
             <a:pPr marL="1163638" indent="-1163638"/>
             <a:r>
               <a:rPr lang="en-US" altLang="zh-TW" sz="6600" dirty="0"/>
-              <a:t>13.</a:t>
+              <a:t>16.</a:t>
             </a:r>
             <a:r>
               <a:rPr lang="zh-TW" altLang="zh-TW" dirty="0"/>
-              <a:t>米迦說：「現在我知道耶和華必賜福與我，因我有一個利未人作祭司。」</a:t>
+              <a:t>不是你們揀選了我，是我揀選了你們，並且分派你們去結果子，叫你們的果子常存，使你們奉我的名，無論向父求甚麼，他就賜給你們。</a:t>
             </a:r>
             <a:endParaRPr lang="zh-TW" altLang="en-US" sz="6600" dirty="0"/>
           </a:p>
@@ -20366,7 +20422,7 @@
             </a:r>
             <a:r>
               <a:rPr lang="zh-TW" altLang="zh-TW" sz="7200" u="none" dirty="0"/>
-              <a:t>我的利益，我來決定</a:t>
+              <a:t>真實經歷耶穌的生命：</a:t>
             </a:r>
             <a:endParaRPr lang="zh-TW" altLang="en-US" sz="7200" u="none" dirty="0"/>
           </a:p>
@@ -20417,7 +20473,7 @@
             </a:r>
             <a:r>
               <a:rPr lang="zh-TW" altLang="zh-TW" dirty="0"/>
-              <a:t>我的利益，我來決定</a:t>
+              <a:t>真實經歷耶穌的生命：</a:t>
             </a:r>
             <a:endParaRPr lang="zh-TW" altLang="en-US" dirty="0"/>
           </a:p>
@@ -20451,7 +20507,7 @@
             </a:r>
             <a:r>
               <a:rPr lang="zh-TW" altLang="zh-TW" dirty="0"/>
-              <a:t>為了安逸，放棄命令
+              <a:t>禱告蒙應允
 </a:t>
             </a:r>
             <a:endParaRPr lang="zh-TW" altLang="en-US" dirty="0"/>
@@ -20499,7 +20555,7 @@
           <a:p>
             <a:r>
               <a:rPr lang="zh-TW" altLang="zh-TW" dirty="0"/>
-              <a:t>士師記十八章1節</a:t>
+              <a:t>約翰福音十五章7節</a:t>
             </a:r>
             <a:r>
               <a:rPr lang="en-US" altLang="zh-TW" dirty="0"/>
@@ -20537,11 +20593,11 @@
             <a:pPr marL="722313" indent="-722313"/>
             <a:r>
               <a:rPr lang="en-US" altLang="zh-TW" sz="6600" dirty="0"/>
-              <a:t>1.</a:t>
+              <a:t>7.</a:t>
             </a:r>
             <a:r>
               <a:rPr lang="zh-TW" altLang="en-US" dirty="0"/>
-              <a:t>那時，以色列中沒有王。但支派的人仍是尋地居住；因為到那日子，他們還沒有在以色列支派中得地為業。</a:t>
+              <a:t>你們若常在我裡面，我的話也常在你們裡面，凡你們所願意的，祈求，就給你們成就。</a:t>
             </a:r>
             <a:endParaRPr lang="zh-TW" altLang="en-US" sz="6600" dirty="0"/>
           </a:p>
@@ -20570,7 +20626,7 @@
           <p:cNvPr id="2" name="標題 1">
             <a:extLst>
               <a:ext uri="{FF2B5EF4-FFF2-40B4-BE49-F238E27FC236}">
-                <a16:creationId xmlns:a16="http://schemas.microsoft.com/office/drawing/2014/main" id="{910BCF18-74FE-EDED-EFCD-12C29802E62C}"/>
+                <a16:creationId xmlns:a16="http://schemas.microsoft.com/office/drawing/2014/main" id="{DBB66779-FB94-D029-B5D4-C57E698E541E}"/>
               </a:ext>
             </a:extLst>
           </p:cNvPr>
@@ -20587,16 +20643,12 @@
           <a:lstStyle/>
           <a:p>
             <a:r>
+              <a:rPr lang="zh-TW" altLang="en-US" dirty="0"/>
+              <a:t>二、</a:t>
+            </a:r>
+            <a:r>
               <a:rPr lang="zh-TW" altLang="zh-TW" dirty="0"/>
-              <a:t>士師記十八章 9-10節</a:t>
-            </a:r>
-            <a:r>
-              <a:rPr lang="en-US" altLang="zh-TW" dirty="0"/>
-              <a:t/>
-            </a:r>
-            <a:r>
-              <a:rPr lang="zh-TW" altLang="zh-TW" dirty="0"/>
-              <a:t/>
+              <a:t>真實經歷耶穌的生命：</a:t>
             </a:r>
             <a:endParaRPr lang="zh-TW" altLang="en-US" dirty="0"/>
           </a:p>
@@ -20607,7 +20659,7 @@
           <p:cNvPr id="3" name="內容版面配置區 2">
             <a:extLst>
               <a:ext uri="{FF2B5EF4-FFF2-40B4-BE49-F238E27FC236}">
-                <a16:creationId xmlns:a16="http://schemas.microsoft.com/office/drawing/2014/main" id="{11AD545B-D8C2-8589-43A3-DE3C6CE675FA}"/>
+                <a16:creationId xmlns:a16="http://schemas.microsoft.com/office/drawing/2014/main" id="{A9867EBA-A1D1-0619-147C-CF7790F05689}"/>
               </a:ext>
             </a:extLst>
           </p:cNvPr>
@@ -20623,16 +20675,24 @@
           <a:bodyPr/>
           <a:lstStyle/>
           <a:p>
-            <a:pPr marL="722313" indent="-722313"/>
-            <a:r>
-              <a:rPr lang="en-US" altLang="zh-TW" sz="6600" dirty="0"/>
-              <a:t>9.</a:t>
-            </a:r>
-            <a:r>
-              <a:rPr lang="zh-TW" altLang="en-US" dirty="0"/>
-              <a:t>他們回答說：「起來，我們上去攻擊他們吧！我們已經窺探那地，見那地甚好。你們為何靜坐不動呢？要急速前往得那地為業，不可遲延。</a:t>
-            </a:r>
-            <a:endParaRPr lang="zh-TW" altLang="en-US" sz="6600" dirty="0"/>
+            <a:pPr algn="ctr"/>
+            <a:r>
+              <a:rPr lang="en-US" altLang="zh-TW" dirty="0"/>
+              <a:t>1.</a:t>
+            </a:r>
+            <a:r>
+              <a:rPr lang="zh-TW" altLang="zh-TW" dirty="0"/>
+              <a:t>禱告蒙應允
+</a:t>
+            </a:r>
+            <a:r>
+              <a:t>2.</a:t>
+            </a:r>
+            <a:r>
+              <a:t>滿溢的喜樂
+</a:t>
+            </a:r>
+            <a:endParaRPr lang="zh-TW" altLang="en-US" dirty="0"/>
           </a:p>
         </p:txBody>
       </p:sp>
@@ -20677,7 +20737,7 @@
           <a:p>
             <a:r>
               <a:rPr lang="zh-TW" altLang="zh-TW" dirty="0"/>
-              <a:t>士師記十八章 9-10節</a:t>
+              <a:t>約翰福音十五章11節</a:t>
             </a:r>
             <a:r>
               <a:rPr lang="en-US" altLang="zh-TW" dirty="0"/>
@@ -20715,11 +20775,11 @@
             <a:pPr marL="1163638" indent="-1163638"/>
             <a:r>
               <a:rPr lang="en-US" altLang="zh-TW" sz="6600" dirty="0"/>
-              <a:t>10.</a:t>
+              <a:t>11.</a:t>
             </a:r>
             <a:r>
               <a:rPr lang="zh-TW" altLang="zh-TW" dirty="0"/>
-              <a:t>你們到了那裡，必看見安居無慮的民，地也寬闊。　神已將那地交在你們手中；那地百物俱全，一無所缺。」</a:t>
+              <a:t>「這些事我已經對你們說了，是要叫我的喜樂存在你們心裡，並叫你們的喜樂可以滿足。</a:t>
             </a:r>
             <a:endParaRPr lang="zh-TW" altLang="en-US" sz="6600" dirty="0"/>
           </a:p>
@@ -20748,7 +20808,7 @@
           <p:cNvPr id="2" name="標題 1">
             <a:extLst>
               <a:ext uri="{FF2B5EF4-FFF2-40B4-BE49-F238E27FC236}">
-                <a16:creationId xmlns:a16="http://schemas.microsoft.com/office/drawing/2014/main" id="{DBB66779-FB94-D029-B5D4-C57E698E541E}"/>
+                <a16:creationId xmlns:a16="http://schemas.microsoft.com/office/drawing/2014/main" id="{910BCF18-74FE-EDED-EFCD-12C29802E62C}"/>
               </a:ext>
             </a:extLst>
           </p:cNvPr>
@@ -20765,12 +20825,16 @@
           <a:lstStyle/>
           <a:p>
             <a:r>
-              <a:rPr lang="zh-TW" altLang="en-US" dirty="0"/>
-              <a:t>二、</a:t>
-            </a:r>
-            <a:r>
               <a:rPr lang="zh-TW" altLang="zh-TW" dirty="0"/>
-              <a:t>我的利益，我來決定</a:t>
+              <a:t>詩篇十六章9節</a:t>
+            </a:r>
+            <a:r>
+              <a:rPr lang="en-US" altLang="zh-TW" dirty="0"/>
+              <a:t/>
+            </a:r>
+            <a:r>
+              <a:rPr lang="zh-TW" altLang="zh-TW" dirty="0"/>
+              <a:t/>
             </a:r>
             <a:endParaRPr lang="zh-TW" altLang="en-US" dirty="0"/>
           </a:p>
@@ -20781,7 +20845,7 @@
           <p:cNvPr id="3" name="內容版面配置區 2">
             <a:extLst>
               <a:ext uri="{FF2B5EF4-FFF2-40B4-BE49-F238E27FC236}">
-                <a16:creationId xmlns:a16="http://schemas.microsoft.com/office/drawing/2014/main" id="{A9867EBA-A1D1-0619-147C-CF7790F05689}"/>
+                <a16:creationId xmlns:a16="http://schemas.microsoft.com/office/drawing/2014/main" id="{11AD545B-D8C2-8589-43A3-DE3C6CE675FA}"/>
               </a:ext>
             </a:extLst>
           </p:cNvPr>
@@ -20797,24 +20861,16 @@
           <a:bodyPr/>
           <a:lstStyle/>
           <a:p>
-            <a:pPr algn="ctr"/>
-            <a:r>
-              <a:rPr lang="en-US" altLang="zh-TW" dirty="0"/>
-              <a:t>1.</a:t>
-            </a:r>
-            <a:r>
-              <a:rPr lang="zh-TW" altLang="zh-TW" dirty="0"/>
-              <a:t>為了安逸，放棄命令
-</a:t>
-            </a:r>
-            <a:r>
-              <a:t>2.</a:t>
-            </a:r>
-            <a:r>
-              <a:t>利益交換的信仰
-</a:t>
-            </a:r>
-            <a:endParaRPr lang="zh-TW" altLang="en-US" dirty="0"/>
+            <a:pPr marL="722313" indent="-722313"/>
+            <a:r>
+              <a:rPr lang="en-US" altLang="zh-TW" sz="6600" dirty="0"/>
+              <a:t>9.</a:t>
+            </a:r>
+            <a:r>
+              <a:rPr lang="zh-TW" altLang="en-US" dirty="0"/>
+              <a:t>因此，我的心歡喜，我的靈（原文是榮耀）快樂；我的肉身也要安然居住。</a:t>
+            </a:r>
+            <a:endParaRPr lang="zh-TW" altLang="en-US" sz="6600" dirty="0"/>
           </a:p>
         </p:txBody>
       </p:sp>
@@ -20841,7 +20897,7 @@
           <p:cNvPr id="2" name="標題 1">
             <a:extLst>
               <a:ext uri="{FF2B5EF4-FFF2-40B4-BE49-F238E27FC236}">
-                <a16:creationId xmlns:a16="http://schemas.microsoft.com/office/drawing/2014/main" id="{30048CD0-F832-6351-1E07-07EC2D13A243}"/>
+                <a16:creationId xmlns:a16="http://schemas.microsoft.com/office/drawing/2014/main" id="{910BCF18-74FE-EDED-EFCD-12C29802E62C}"/>
               </a:ext>
             </a:extLst>
           </p:cNvPr>
@@ -20859,7 +20915,7 @@
           <a:p>
             <a:r>
               <a:rPr lang="zh-TW" altLang="zh-TW" dirty="0"/>
-              <a:t>士師記十八章14節</a:t>
+              <a:t>希伯來書十二章2節</a:t>
             </a:r>
             <a:r>
               <a:rPr lang="en-US" altLang="zh-TW" dirty="0"/>
@@ -20878,7 +20934,7 @@
           <p:cNvPr id="3" name="內容版面配置區 2">
             <a:extLst>
               <a:ext uri="{FF2B5EF4-FFF2-40B4-BE49-F238E27FC236}">
-                <a16:creationId xmlns:a16="http://schemas.microsoft.com/office/drawing/2014/main" id="{3AC27F14-4E8D-1702-4B7F-E3BB973C780D}"/>
+                <a16:creationId xmlns:a16="http://schemas.microsoft.com/office/drawing/2014/main" id="{11AD545B-D8C2-8589-43A3-DE3C6CE675FA}"/>
               </a:ext>
             </a:extLst>
           </p:cNvPr>
@@ -20894,14 +20950,14 @@
           <a:bodyPr/>
           <a:lstStyle/>
           <a:p>
-            <a:pPr marL="1163638" indent="-1163638"/>
+            <a:pPr marL="722313" indent="-722313"/>
             <a:r>
               <a:rPr lang="en-US" altLang="zh-TW" sz="6600" dirty="0"/>
-              <a:t>14.</a:t>
-            </a:r>
-            <a:r>
-              <a:rPr lang="zh-TW" altLang="zh-TW" dirty="0"/>
-              <a:t>從前窺探拉億地的五個人對他們的弟兄說：「這宅子裡有以弗得和家中的神像，並雕刻的像與鑄成的像，你們知道嗎？現在你們要想一想當怎樣行。」</a:t>
+              <a:t>2.</a:t>
+            </a:r>
+            <a:r>
+              <a:rPr lang="zh-TW" altLang="en-US" dirty="0"/>
+              <a:t>仰望為我們信心創始成終的耶穌（或譯：仰望那將真道創始成終的耶穌）。他因那擺在前面的喜樂，就輕看羞辱，忍受了十字架的苦難，便坐在 神寶座的右邊。</a:t>
             </a:r>
             <a:endParaRPr lang="zh-TW" altLang="en-US" sz="6600" dirty="0"/>
           </a:p>
@@ -20930,7 +20986,7 @@
           <p:cNvPr id="2" name="標題 1">
             <a:extLst>
               <a:ext uri="{FF2B5EF4-FFF2-40B4-BE49-F238E27FC236}">
-                <a16:creationId xmlns:a16="http://schemas.microsoft.com/office/drawing/2014/main" id="{30048CD0-F832-6351-1E07-07EC2D13A243}"/>
+                <a16:creationId xmlns:a16="http://schemas.microsoft.com/office/drawing/2014/main" id="{DBB66779-FB94-D029-B5D4-C57E698E541E}"/>
               </a:ext>
             </a:extLst>
           </p:cNvPr>
@@ -20947,16 +21003,12 @@
           <a:lstStyle/>
           <a:p>
             <a:r>
+              <a:rPr lang="zh-TW" altLang="en-US" dirty="0"/>
+              <a:t>二、</a:t>
+            </a:r>
+            <a:r>
               <a:rPr lang="zh-TW" altLang="zh-TW" dirty="0"/>
-              <a:t>士師記十八章 18-20節</a:t>
-            </a:r>
-            <a:r>
-              <a:rPr lang="en-US" altLang="zh-TW" dirty="0"/>
-              <a:t/>
-            </a:r>
-            <a:r>
-              <a:rPr lang="zh-TW" altLang="zh-TW" dirty="0"/>
-              <a:t/>
+              <a:t>真實經歷耶穌的生命：</a:t>
             </a:r>
             <a:endParaRPr lang="zh-TW" altLang="en-US" dirty="0"/>
           </a:p>
@@ -20967,7 +21019,7 @@
           <p:cNvPr id="3" name="內容版面配置區 2">
             <a:extLst>
               <a:ext uri="{FF2B5EF4-FFF2-40B4-BE49-F238E27FC236}">
-                <a16:creationId xmlns:a16="http://schemas.microsoft.com/office/drawing/2014/main" id="{3AC27F14-4E8D-1702-4B7F-E3BB973C780D}"/>
+                <a16:creationId xmlns:a16="http://schemas.microsoft.com/office/drawing/2014/main" id="{A9867EBA-A1D1-0619-147C-CF7790F05689}"/>
               </a:ext>
             </a:extLst>
           </p:cNvPr>
@@ -20983,16 +21035,31 @@
           <a:bodyPr/>
           <a:lstStyle/>
           <a:p>
-            <a:pPr marL="1163638" indent="-1163638"/>
-            <a:r>
-              <a:rPr lang="en-US" altLang="zh-TW" sz="6600" dirty="0"/>
-              <a:t>18.</a:t>
+            <a:pPr algn="ctr"/>
+            <a:r>
+              <a:rPr lang="en-US" altLang="zh-TW" dirty="0"/>
+              <a:t>1.</a:t>
             </a:r>
             <a:r>
               <a:rPr lang="zh-TW" altLang="zh-TW" dirty="0"/>
-              <a:t>那五個人進入米迦的住宅，拿出雕刻的像、以弗得、家中的神像，並鑄成的像，祭司就問他們說：「你們做甚麼呢？」</a:t>
-            </a:r>
-            <a:endParaRPr lang="zh-TW" altLang="en-US" sz="6600" dirty="0"/>
+              <a:t>禱告蒙應允
+</a:t>
+            </a:r>
+            <a:r>
+              <a:t>2.</a:t>
+            </a:r>
+            <a:r>
+              <a:t>滿溢的喜樂
+</a:t>
+            </a:r>
+            <a:r>
+              <a:t>3.</a:t>
+            </a:r>
+            <a:r>
+              <a:t>成為主朋友
+</a:t>
+            </a:r>
+            <a:endParaRPr lang="zh-TW" altLang="en-US" dirty="0"/>
           </a:p>
         </p:txBody>
       </p:sp>
@@ -21037,7 +21104,7 @@
           <a:p>
             <a:r>
               <a:rPr lang="zh-TW" altLang="zh-TW" dirty="0"/>
-              <a:t>士師記十八章 18-20節</a:t>
+              <a:t>約翰福音十五章14-15節</a:t>
             </a:r>
             <a:r>
               <a:rPr lang="en-US" altLang="zh-TW" dirty="0"/>
@@ -21075,11 +21142,11 @@
             <a:pPr marL="1163638" indent="-1163638"/>
             <a:r>
               <a:rPr lang="en-US" altLang="zh-TW" sz="6600" dirty="0"/>
-              <a:t>19.</a:t>
+              <a:t>14.</a:t>
             </a:r>
             <a:r>
               <a:rPr lang="zh-TW" altLang="zh-TW" dirty="0"/>
-              <a:t>他們回答說：「不要作聲，用手摀口，跟我們去吧！我們必以你為父、為祭司。你作一家的祭司好呢？還是作以色列一族一支派的祭司好呢？」</a:t>
+              <a:t>你們若遵行我所吩咐的，就是我的朋友了。</a:t>
             </a:r>
             <a:endParaRPr lang="zh-TW" altLang="en-US" sz="6600" dirty="0"/>
           </a:p>
@@ -21194,7 +21261,7 @@
           <a:p>
             <a:r>
               <a:rPr lang="zh-TW" altLang="zh-TW" dirty="0"/>
-              <a:t>士師記十八章 18-20節</a:t>
+              <a:t>約翰福音十五章14-15節</a:t>
             </a:r>
             <a:r>
               <a:rPr lang="en-US" altLang="zh-TW" dirty="0"/>
@@ -21232,11 +21299,11 @@
             <a:pPr marL="1163638" indent="-1163638"/>
             <a:r>
               <a:rPr lang="en-US" altLang="zh-TW" sz="6600" dirty="0"/>
-              <a:t>20.</a:t>
+              <a:t>15.</a:t>
             </a:r>
             <a:r>
               <a:rPr lang="zh-TW" altLang="zh-TW" dirty="0"/>
-              <a:t>祭司心裡喜悅，便拿著以弗得和家中的神像，並雕刻的像，進入他們中間。</a:t>
+              <a:t>以後我不再稱你們為僕人，因僕人不知道主人所做的事。我乃稱你們為朋友；因我從我父所聽見的，已經都告訴你們了。</a:t>
             </a:r>
             <a:endParaRPr lang="zh-TW" altLang="en-US" sz="6600" dirty="0"/>
           </a:p>
@@ -21265,7 +21332,7 @@
           <p:cNvPr id="2" name="標題 1">
             <a:extLst>
               <a:ext uri="{FF2B5EF4-FFF2-40B4-BE49-F238E27FC236}">
-                <a16:creationId xmlns:a16="http://schemas.microsoft.com/office/drawing/2014/main" id="{DBB66779-FB94-D029-B5D4-C57E698E541E}"/>
+                <a16:creationId xmlns:a16="http://schemas.microsoft.com/office/drawing/2014/main" id="{30048CD0-F832-6351-1E07-07EC2D13A243}"/>
               </a:ext>
             </a:extLst>
           </p:cNvPr>
@@ -21282,12 +21349,16 @@
           <a:lstStyle/>
           <a:p>
             <a:r>
-              <a:rPr lang="zh-TW" altLang="en-US" dirty="0"/>
-              <a:t>二、</a:t>
-            </a:r>
-            <a:r>
               <a:rPr lang="zh-TW" altLang="zh-TW" dirty="0"/>
-              <a:t>我的利益，我來決定</a:t>
+              <a:t>創世記十八章17節</a:t>
+            </a:r>
+            <a:r>
+              <a:rPr lang="en-US" altLang="zh-TW" dirty="0"/>
+              <a:t/>
+            </a:r>
+            <a:r>
+              <a:rPr lang="zh-TW" altLang="zh-TW" dirty="0"/>
+              <a:t/>
             </a:r>
             <a:endParaRPr lang="zh-TW" altLang="en-US" dirty="0"/>
           </a:p>
@@ -21298,7 +21369,7 @@
           <p:cNvPr id="3" name="內容版面配置區 2">
             <a:extLst>
               <a:ext uri="{FF2B5EF4-FFF2-40B4-BE49-F238E27FC236}">
-                <a16:creationId xmlns:a16="http://schemas.microsoft.com/office/drawing/2014/main" id="{A9867EBA-A1D1-0619-147C-CF7790F05689}"/>
+                <a16:creationId xmlns:a16="http://schemas.microsoft.com/office/drawing/2014/main" id="{3AC27F14-4E8D-1702-4B7F-E3BB973C780D}"/>
               </a:ext>
             </a:extLst>
           </p:cNvPr>
@@ -21314,31 +21385,16 @@
           <a:bodyPr/>
           <a:lstStyle/>
           <a:p>
-            <a:pPr algn="ctr"/>
-            <a:r>
-              <a:rPr lang="en-US" altLang="zh-TW" dirty="0"/>
-              <a:t>1.</a:t>
+            <a:pPr marL="1163638" indent="-1163638"/>
+            <a:r>
+              <a:rPr lang="en-US" altLang="zh-TW" sz="6600" dirty="0"/>
+              <a:t>17.</a:t>
             </a:r>
             <a:r>
               <a:rPr lang="zh-TW" altLang="zh-TW" dirty="0"/>
-              <a:t>為了安逸，放棄命令
-</a:t>
-            </a:r>
-            <a:r>
-              <a:t>2.</a:t>
-            </a:r>
-            <a:r>
-              <a:t>利益交換的信仰
-</a:t>
-            </a:r>
-            <a:r>
-              <a:t>3.</a:t>
-            </a:r>
-            <a:r>
-              <a:t>持續複製的錯誤
-</a:t>
-            </a:r>
-            <a:endParaRPr lang="zh-TW" altLang="en-US" dirty="0"/>
+              <a:t>耶和華說：「我所要做的事豈可瞞著亞伯拉罕呢？</a:t>
+            </a:r>
+            <a:endParaRPr lang="zh-TW" altLang="en-US" sz="6600" dirty="0"/>
           </a:p>
         </p:txBody>
       </p:sp>
@@ -21365,7 +21421,7 @@
           <p:cNvPr id="2" name="標題 1">
             <a:extLst>
               <a:ext uri="{FF2B5EF4-FFF2-40B4-BE49-F238E27FC236}">
-                <a16:creationId xmlns:a16="http://schemas.microsoft.com/office/drawing/2014/main" id="{30048CD0-F832-6351-1E07-07EC2D13A243}"/>
+                <a16:creationId xmlns:a16="http://schemas.microsoft.com/office/drawing/2014/main" id="{766E8075-240C-0C08-D6DB-B5E2CE3BE49B}"/>
               </a:ext>
             </a:extLst>
           </p:cNvPr>
@@ -21373,61 +21429,28 @@
             <a:spLocks noGrp="1"/>
           </p:cNvSpPr>
           <p:nvPr>
-            <p:ph type="title"/>
-          </p:nvPr>
-        </p:nvSpPr>
-        <p:spPr/>
+            <p:ph type="ctrTitle"/>
+          </p:nvPr>
+        </p:nvSpPr>
+        <p:spPr>
+          <a:xfrm>
+            <a:off x="0" y="2848458"/>
+            <a:ext cx="12192000" cy="1161083"/>
+          </a:xfrm>
+        </p:spPr>
         <p:txBody>
           <a:bodyPr/>
           <a:lstStyle/>
           <a:p>
             <a:r>
-              <a:rPr lang="zh-TW" altLang="zh-TW" dirty="0"/>
-              <a:t>士師記十八章27-31節</a:t>
-            </a:r>
-            <a:r>
-              <a:rPr lang="en-US" altLang="zh-TW" dirty="0"/>
-              <a:t/>
-            </a:r>
-            <a:r>
-              <a:rPr lang="zh-TW" altLang="zh-TW" dirty="0"/>
-              <a:t/>
-            </a:r>
-            <a:endParaRPr lang="zh-TW" altLang="en-US" dirty="0"/>
-          </a:p>
-        </p:txBody>
-      </p:sp>
-      <p:sp>
-        <p:nvSpPr>
-          <p:cNvPr id="3" name="內容版面配置區 2">
-            <a:extLst>
-              <a:ext uri="{FF2B5EF4-FFF2-40B4-BE49-F238E27FC236}">
-                <a16:creationId xmlns:a16="http://schemas.microsoft.com/office/drawing/2014/main" id="{3AC27F14-4E8D-1702-4B7F-E3BB973C780D}"/>
-              </a:ext>
-            </a:extLst>
-          </p:cNvPr>
-          <p:cNvSpPr>
-            <a:spLocks noGrp="1"/>
-          </p:cNvSpPr>
-          <p:nvPr>
-            <p:ph idx="1"/>
-          </p:nvPr>
-        </p:nvSpPr>
-        <p:spPr/>
-        <p:txBody>
-          <a:bodyPr/>
-          <a:lstStyle/>
-          <a:p>
-            <a:pPr marL="1163638" indent="-1163638"/>
-            <a:r>
-              <a:rPr lang="en-US" altLang="zh-TW" sz="6600" dirty="0"/>
-              <a:t>27.</a:t>
-            </a:r>
-            <a:r>
-              <a:rPr lang="zh-TW" altLang="zh-TW" dirty="0"/>
-              <a:t>但人將米迦所做的神像和他的祭司都帶到拉億，見安居無慮的民，就用刀殺了那民，又放火燒了那城，</a:t>
-            </a:r>
-            <a:endParaRPr lang="zh-TW" altLang="en-US" sz="6600" dirty="0"/>
+              <a:rPr lang="zh-TW" altLang="en-US" sz="7200" u="none" dirty="0"/>
+              <a:t>三、</a:t>
+            </a:r>
+            <a:r>
+              <a:rPr lang="zh-TW" altLang="zh-TW" sz="7200" u="none" dirty="0"/>
+              <a:t>追求與耶穌相連！</a:t>
+            </a:r>
+            <a:endParaRPr lang="zh-TW" altLang="en-US" sz="7200" u="none" dirty="0"/>
           </a:p>
         </p:txBody>
       </p:sp>
@@ -21454,7 +21477,7 @@
           <p:cNvPr id="2" name="標題 1">
             <a:extLst>
               <a:ext uri="{FF2B5EF4-FFF2-40B4-BE49-F238E27FC236}">
-                <a16:creationId xmlns:a16="http://schemas.microsoft.com/office/drawing/2014/main" id="{30048CD0-F832-6351-1E07-07EC2D13A243}"/>
+                <a16:creationId xmlns:a16="http://schemas.microsoft.com/office/drawing/2014/main" id="{DBB66779-FB94-D029-B5D4-C57E698E541E}"/>
               </a:ext>
             </a:extLst>
           </p:cNvPr>
@@ -21471,16 +21494,12 @@
           <a:lstStyle/>
           <a:p>
             <a:r>
+              <a:rPr lang="zh-TW" altLang="en-US" dirty="0"/>
+              <a:t>三、</a:t>
+            </a:r>
+            <a:r>
               <a:rPr lang="zh-TW" altLang="zh-TW" dirty="0"/>
-              <a:t>士師記十八章27-31節</a:t>
-            </a:r>
-            <a:r>
-              <a:rPr lang="en-US" altLang="zh-TW" dirty="0"/>
-              <a:t/>
-            </a:r>
-            <a:r>
-              <a:rPr lang="zh-TW" altLang="zh-TW" dirty="0"/>
-              <a:t/>
+              <a:t>追求與耶穌相連！</a:t>
             </a:r>
             <a:endParaRPr lang="zh-TW" altLang="en-US" dirty="0"/>
           </a:p>
@@ -21491,7 +21510,7 @@
           <p:cNvPr id="3" name="內容版面配置區 2">
             <a:extLst>
               <a:ext uri="{FF2B5EF4-FFF2-40B4-BE49-F238E27FC236}">
-                <a16:creationId xmlns:a16="http://schemas.microsoft.com/office/drawing/2014/main" id="{3AC27F14-4E8D-1702-4B7F-E3BB973C780D}"/>
+                <a16:creationId xmlns:a16="http://schemas.microsoft.com/office/drawing/2014/main" id="{A9867EBA-A1D1-0619-147C-CF7790F05689}"/>
               </a:ext>
             </a:extLst>
           </p:cNvPr>
@@ -21507,16 +21526,17 @@
           <a:bodyPr/>
           <a:lstStyle/>
           <a:p>
-            <a:pPr marL="1163638" indent="-1163638"/>
-            <a:r>
-              <a:rPr lang="en-US" altLang="zh-TW" sz="6600" dirty="0"/>
-              <a:t>28.</a:t>
+            <a:pPr algn="ctr"/>
+            <a:r>
+              <a:rPr lang="en-US" altLang="zh-TW" dirty="0"/>
+              <a:t>1.</a:t>
             </a:r>
             <a:r>
               <a:rPr lang="zh-TW" altLang="zh-TW" dirty="0"/>
-              <a:t>並無人搭救；因為離西頓遠，他們又與別人沒有來往。城在平原，那平原靠近伯‧利合。但人又在那裡修城居住，</a:t>
-            </a:r>
-            <a:endParaRPr lang="zh-TW" altLang="en-US" sz="6600" dirty="0"/>
+              <a:t>真理潔淨我心
+</a:t>
+            </a:r>
+            <a:endParaRPr lang="zh-TW" altLang="en-US" dirty="0"/>
           </a:p>
         </p:txBody>
       </p:sp>
@@ -21543,7 +21563,7 @@
           <p:cNvPr id="2" name="標題 1">
             <a:extLst>
               <a:ext uri="{FF2B5EF4-FFF2-40B4-BE49-F238E27FC236}">
-                <a16:creationId xmlns:a16="http://schemas.microsoft.com/office/drawing/2014/main" id="{30048CD0-F832-6351-1E07-07EC2D13A243}"/>
+                <a16:creationId xmlns:a16="http://schemas.microsoft.com/office/drawing/2014/main" id="{910BCF18-74FE-EDED-EFCD-12C29802E62C}"/>
               </a:ext>
             </a:extLst>
           </p:cNvPr>
@@ -21561,7 +21581,7 @@
           <a:p>
             <a:r>
               <a:rPr lang="zh-TW" altLang="zh-TW" dirty="0"/>
-              <a:t>士師記十八章27-31節</a:t>
+              <a:t>約翰福音十五章1-3節</a:t>
             </a:r>
             <a:r>
               <a:rPr lang="en-US" altLang="zh-TW" dirty="0"/>
@@ -21580,7 +21600,7 @@
           <p:cNvPr id="3" name="內容版面配置區 2">
             <a:extLst>
               <a:ext uri="{FF2B5EF4-FFF2-40B4-BE49-F238E27FC236}">
-                <a16:creationId xmlns:a16="http://schemas.microsoft.com/office/drawing/2014/main" id="{3AC27F14-4E8D-1702-4B7F-E3BB973C780D}"/>
+                <a16:creationId xmlns:a16="http://schemas.microsoft.com/office/drawing/2014/main" id="{11AD545B-D8C2-8589-43A3-DE3C6CE675FA}"/>
               </a:ext>
             </a:extLst>
           </p:cNvPr>
@@ -21596,14 +21616,14 @@
           <a:bodyPr/>
           <a:lstStyle/>
           <a:p>
-            <a:pPr marL="1163638" indent="-1163638"/>
+            <a:pPr marL="722313" indent="-722313"/>
             <a:r>
               <a:rPr lang="en-US" altLang="zh-TW" sz="6600" dirty="0"/>
-              <a:t>29.</a:t>
-            </a:r>
-            <a:r>
-              <a:rPr lang="zh-TW" altLang="zh-TW" dirty="0"/>
-              <a:t>照著他們始祖以色列之子但的名字，給那城起名叫但；原先那城名叫拉億。</a:t>
+              <a:t>1.</a:t>
+            </a:r>
+            <a:r>
+              <a:rPr lang="zh-TW" altLang="en-US" dirty="0"/>
+              <a:t>「我是真葡萄樹，我父是栽培的人。</a:t>
             </a:r>
             <a:endParaRPr lang="zh-TW" altLang="en-US" sz="6600" dirty="0"/>
           </a:p>
@@ -21632,7 +21652,7 @@
           <p:cNvPr id="2" name="標題 1">
             <a:extLst>
               <a:ext uri="{FF2B5EF4-FFF2-40B4-BE49-F238E27FC236}">
-                <a16:creationId xmlns:a16="http://schemas.microsoft.com/office/drawing/2014/main" id="{30048CD0-F832-6351-1E07-07EC2D13A243}"/>
+                <a16:creationId xmlns:a16="http://schemas.microsoft.com/office/drawing/2014/main" id="{910BCF18-74FE-EDED-EFCD-12C29802E62C}"/>
               </a:ext>
             </a:extLst>
           </p:cNvPr>
@@ -21650,7 +21670,7 @@
           <a:p>
             <a:r>
               <a:rPr lang="zh-TW" altLang="zh-TW" dirty="0"/>
-              <a:t>士師記十八章27-31節</a:t>
+              <a:t>約翰福音十五章1-3節</a:t>
             </a:r>
             <a:r>
               <a:rPr lang="en-US" altLang="zh-TW" dirty="0"/>
@@ -21669,7 +21689,7 @@
           <p:cNvPr id="3" name="內容版面配置區 2">
             <a:extLst>
               <a:ext uri="{FF2B5EF4-FFF2-40B4-BE49-F238E27FC236}">
-                <a16:creationId xmlns:a16="http://schemas.microsoft.com/office/drawing/2014/main" id="{3AC27F14-4E8D-1702-4B7F-E3BB973C780D}"/>
+                <a16:creationId xmlns:a16="http://schemas.microsoft.com/office/drawing/2014/main" id="{11AD545B-D8C2-8589-43A3-DE3C6CE675FA}"/>
               </a:ext>
             </a:extLst>
           </p:cNvPr>
@@ -21685,14 +21705,14 @@
           <a:bodyPr/>
           <a:lstStyle/>
           <a:p>
-            <a:pPr marL="1163638" indent="-1163638"/>
+            <a:pPr marL="722313" indent="-722313"/>
             <a:r>
               <a:rPr lang="en-US" altLang="zh-TW" sz="6600" dirty="0"/>
-              <a:t>30.</a:t>
-            </a:r>
-            <a:r>
-              <a:rPr lang="zh-TW" altLang="zh-TW" dirty="0"/>
-              <a:t>但人就為自己設立那雕刻的像。摩西的孫子、革舜的兒子約拿單，和他的子孫作但支派的祭司，直到那地遭擄掠的日子。</a:t>
+              <a:t>2.</a:t>
+            </a:r>
+            <a:r>
+              <a:rPr lang="zh-TW" altLang="en-US" dirty="0"/>
+              <a:t>凡屬我不結果子的枝子，他就剪去；凡結果子的，他就修理乾淨，使枝子結果子更多。</a:t>
             </a:r>
             <a:endParaRPr lang="zh-TW" altLang="en-US" sz="6600" dirty="0"/>
           </a:p>
@@ -21721,7 +21741,7 @@
           <p:cNvPr id="2" name="標題 1">
             <a:extLst>
               <a:ext uri="{FF2B5EF4-FFF2-40B4-BE49-F238E27FC236}">
-                <a16:creationId xmlns:a16="http://schemas.microsoft.com/office/drawing/2014/main" id="{30048CD0-F832-6351-1E07-07EC2D13A243}"/>
+                <a16:creationId xmlns:a16="http://schemas.microsoft.com/office/drawing/2014/main" id="{910BCF18-74FE-EDED-EFCD-12C29802E62C}"/>
               </a:ext>
             </a:extLst>
           </p:cNvPr>
@@ -21739,7 +21759,7 @@
           <a:p>
             <a:r>
               <a:rPr lang="zh-TW" altLang="zh-TW" dirty="0"/>
-              <a:t>士師記十八章27-31節</a:t>
+              <a:t>約翰福音十五章1-3節</a:t>
             </a:r>
             <a:r>
               <a:rPr lang="en-US" altLang="zh-TW" dirty="0"/>
@@ -21758,7 +21778,7 @@
           <p:cNvPr id="3" name="內容版面配置區 2">
             <a:extLst>
               <a:ext uri="{FF2B5EF4-FFF2-40B4-BE49-F238E27FC236}">
-                <a16:creationId xmlns:a16="http://schemas.microsoft.com/office/drawing/2014/main" id="{3AC27F14-4E8D-1702-4B7F-E3BB973C780D}"/>
+                <a16:creationId xmlns:a16="http://schemas.microsoft.com/office/drawing/2014/main" id="{11AD545B-D8C2-8589-43A3-DE3C6CE675FA}"/>
               </a:ext>
             </a:extLst>
           </p:cNvPr>
@@ -21774,14 +21794,14 @@
           <a:bodyPr/>
           <a:lstStyle/>
           <a:p>
-            <a:pPr marL="1163638" indent="-1163638"/>
+            <a:pPr marL="722313" indent="-722313"/>
             <a:r>
               <a:rPr lang="en-US" altLang="zh-TW" sz="6600" dirty="0"/>
-              <a:t>31.</a:t>
-            </a:r>
-            <a:r>
-              <a:rPr lang="zh-TW" altLang="zh-TW" dirty="0"/>
-              <a:t>神的殿在示羅多少日子，但人為自己設立米迦所雕刻的像也在但多少日子。</a:t>
+              <a:t>3.</a:t>
+            </a:r>
+            <a:r>
+              <a:rPr lang="zh-TW" altLang="en-US" dirty="0"/>
+              <a:t>現在你們因我講給你們的道，已經乾淨了。</a:t>
             </a:r>
             <a:endParaRPr lang="zh-TW" altLang="en-US" sz="6600" dirty="0"/>
           </a:p>
@@ -21810,7 +21830,7 @@
           <p:cNvPr id="2" name="標題 1">
             <a:extLst>
               <a:ext uri="{FF2B5EF4-FFF2-40B4-BE49-F238E27FC236}">
-                <a16:creationId xmlns:a16="http://schemas.microsoft.com/office/drawing/2014/main" id="{766E8075-240C-0C08-D6DB-B5E2CE3BE49B}"/>
+                <a16:creationId xmlns:a16="http://schemas.microsoft.com/office/drawing/2014/main" id="{910BCF18-74FE-EDED-EFCD-12C29802E62C}"/>
               </a:ext>
             </a:extLst>
           </p:cNvPr>
@@ -21818,28 +21838,61 @@
             <a:spLocks noGrp="1"/>
           </p:cNvSpPr>
           <p:nvPr>
-            <p:ph type="ctrTitle"/>
-          </p:nvPr>
-        </p:nvSpPr>
-        <p:spPr>
-          <a:xfrm>
-            <a:off x="0" y="2848458"/>
-            <a:ext cx="12192000" cy="1161083"/>
-          </a:xfrm>
-        </p:spPr>
+            <p:ph type="title"/>
+          </p:nvPr>
+        </p:nvSpPr>
+        <p:spPr/>
         <p:txBody>
           <a:bodyPr/>
           <a:lstStyle/>
           <a:p>
             <a:r>
-              <a:rPr lang="zh-TW" altLang="en-US" sz="7200" u="none" dirty="0"/>
-              <a:t>三、</a:t>
-            </a:r>
-            <a:r>
-              <a:rPr lang="zh-TW" altLang="zh-TW" sz="7200" u="none" dirty="0"/>
-              <a:t>回歸秩序：找回那無法被奪走的中心</a:t>
-            </a:r>
-            <a:endParaRPr lang="zh-TW" altLang="en-US" sz="7200" u="none" dirty="0"/>
+              <a:rPr lang="zh-TW" altLang="zh-TW" dirty="0"/>
+              <a:t>詩篇十九章7-9節</a:t>
+            </a:r>
+            <a:r>
+              <a:rPr lang="en-US" altLang="zh-TW" dirty="0"/>
+              <a:t/>
+            </a:r>
+            <a:r>
+              <a:rPr lang="zh-TW" altLang="zh-TW" dirty="0"/>
+              <a:t/>
+            </a:r>
+            <a:endParaRPr lang="zh-TW" altLang="en-US" dirty="0"/>
+          </a:p>
+        </p:txBody>
+      </p:sp>
+      <p:sp>
+        <p:nvSpPr>
+          <p:cNvPr id="3" name="內容版面配置區 2">
+            <a:extLst>
+              <a:ext uri="{FF2B5EF4-FFF2-40B4-BE49-F238E27FC236}">
+                <a16:creationId xmlns:a16="http://schemas.microsoft.com/office/drawing/2014/main" id="{11AD545B-D8C2-8589-43A3-DE3C6CE675FA}"/>
+              </a:ext>
+            </a:extLst>
+          </p:cNvPr>
+          <p:cNvSpPr>
+            <a:spLocks noGrp="1"/>
+          </p:cNvSpPr>
+          <p:nvPr>
+            <p:ph idx="1"/>
+          </p:nvPr>
+        </p:nvSpPr>
+        <p:spPr/>
+        <p:txBody>
+          <a:bodyPr/>
+          <a:lstStyle/>
+          <a:p>
+            <a:pPr marL="722313" indent="-722313"/>
+            <a:r>
+              <a:rPr lang="en-US" altLang="zh-TW" sz="6600" dirty="0"/>
+              <a:t>7.</a:t>
+            </a:r>
+            <a:r>
+              <a:rPr lang="zh-TW" altLang="en-US" dirty="0"/>
+              <a:t>耶和華的律法全備，能甦醒人心；耶和華的法度確定，能使愚人有智慧。</a:t>
+            </a:r>
+            <a:endParaRPr lang="zh-TW" altLang="en-US" sz="6600" dirty="0"/>
           </a:p>
         </p:txBody>
       </p:sp>
@@ -21866,7 +21919,7 @@
           <p:cNvPr id="2" name="標題 1">
             <a:extLst>
               <a:ext uri="{FF2B5EF4-FFF2-40B4-BE49-F238E27FC236}">
-                <a16:creationId xmlns:a16="http://schemas.microsoft.com/office/drawing/2014/main" id="{DBB66779-FB94-D029-B5D4-C57E698E541E}"/>
+                <a16:creationId xmlns:a16="http://schemas.microsoft.com/office/drawing/2014/main" id="{910BCF18-74FE-EDED-EFCD-12C29802E62C}"/>
               </a:ext>
             </a:extLst>
           </p:cNvPr>
@@ -21883,12 +21936,16 @@
           <a:lstStyle/>
           <a:p>
             <a:r>
-              <a:rPr lang="zh-TW" altLang="en-US" dirty="0"/>
-              <a:t>三、</a:t>
-            </a:r>
-            <a:r>
               <a:rPr lang="zh-TW" altLang="zh-TW" dirty="0"/>
-              <a:t>回歸秩序：找回那無法被奪走的中心</a:t>
+              <a:t>詩篇十九章7-9節</a:t>
+            </a:r>
+            <a:r>
+              <a:rPr lang="en-US" altLang="zh-TW" dirty="0"/>
+              <a:t/>
+            </a:r>
+            <a:r>
+              <a:rPr lang="zh-TW" altLang="zh-TW" dirty="0"/>
+              <a:t/>
             </a:r>
             <a:endParaRPr lang="zh-TW" altLang="en-US" dirty="0"/>
           </a:p>
@@ -21899,7 +21956,7 @@
           <p:cNvPr id="3" name="內容版面配置區 2">
             <a:extLst>
               <a:ext uri="{FF2B5EF4-FFF2-40B4-BE49-F238E27FC236}">
-                <a16:creationId xmlns:a16="http://schemas.microsoft.com/office/drawing/2014/main" id="{A9867EBA-A1D1-0619-147C-CF7790F05689}"/>
+                <a16:creationId xmlns:a16="http://schemas.microsoft.com/office/drawing/2014/main" id="{11AD545B-D8C2-8589-43A3-DE3C6CE675FA}"/>
               </a:ext>
             </a:extLst>
           </p:cNvPr>
@@ -21915,17 +21972,16 @@
           <a:bodyPr/>
           <a:lstStyle/>
           <a:p>
-            <a:pPr algn="ctr"/>
-            <a:r>
-              <a:rPr lang="en-US" altLang="zh-TW" dirty="0"/>
-              <a:t>1.</a:t>
-            </a:r>
-            <a:r>
-              <a:rPr lang="zh-TW" altLang="zh-TW" dirty="0"/>
-              <a:t>尋見永生之道
-</a:t>
-            </a:r>
-            <a:endParaRPr lang="zh-TW" altLang="en-US" dirty="0"/>
+            <a:pPr marL="722313" indent="-722313"/>
+            <a:r>
+              <a:rPr lang="en-US" altLang="zh-TW" sz="6600" dirty="0"/>
+              <a:t>8.</a:t>
+            </a:r>
+            <a:r>
+              <a:rPr lang="zh-TW" altLang="en-US" dirty="0"/>
+              <a:t>耶和華的訓詞正直，能快活人的心；耶和華的命令清潔，能明亮人的眼目。</a:t>
+            </a:r>
+            <a:endParaRPr lang="zh-TW" altLang="en-US" sz="6600" dirty="0"/>
           </a:p>
         </p:txBody>
       </p:sp>
@@ -21952,7 +22008,7 @@
           <p:cNvPr id="2" name="標題 1">
             <a:extLst>
               <a:ext uri="{FF2B5EF4-FFF2-40B4-BE49-F238E27FC236}">
-                <a16:creationId xmlns:a16="http://schemas.microsoft.com/office/drawing/2014/main" id="{30048CD0-F832-6351-1E07-07EC2D13A243}"/>
+                <a16:creationId xmlns:a16="http://schemas.microsoft.com/office/drawing/2014/main" id="{910BCF18-74FE-EDED-EFCD-12C29802E62C}"/>
               </a:ext>
             </a:extLst>
           </p:cNvPr>
@@ -21970,7 +22026,7 @@
           <a:p>
             <a:r>
               <a:rPr lang="zh-TW" altLang="zh-TW" dirty="0"/>
-              <a:t>士師記十八章24節</a:t>
+              <a:t>詩篇十九章7-9節</a:t>
             </a:r>
             <a:r>
               <a:rPr lang="en-US" altLang="zh-TW" dirty="0"/>
@@ -21989,7 +22045,7 @@
           <p:cNvPr id="3" name="內容版面配置區 2">
             <a:extLst>
               <a:ext uri="{FF2B5EF4-FFF2-40B4-BE49-F238E27FC236}">
-                <a16:creationId xmlns:a16="http://schemas.microsoft.com/office/drawing/2014/main" id="{3AC27F14-4E8D-1702-4B7F-E3BB973C780D}"/>
+                <a16:creationId xmlns:a16="http://schemas.microsoft.com/office/drawing/2014/main" id="{11AD545B-D8C2-8589-43A3-DE3C6CE675FA}"/>
               </a:ext>
             </a:extLst>
           </p:cNvPr>
@@ -22005,14 +22061,14 @@
           <a:bodyPr/>
           <a:lstStyle/>
           <a:p>
-            <a:pPr marL="1163638" indent="-1163638"/>
+            <a:pPr marL="722313" indent="-722313"/>
             <a:r>
               <a:rPr lang="en-US" altLang="zh-TW" sz="6600" dirty="0"/>
-              <a:t>24.</a:t>
-            </a:r>
-            <a:r>
-              <a:rPr lang="zh-TW" altLang="zh-TW" dirty="0"/>
-              <a:t>米迦說：「你們將我所做的神像和祭司都帶了去，我還有所剩的嗎？怎麼還問我說『做甚麼』呢？」</a:t>
+              <a:t>9.</a:t>
+            </a:r>
+            <a:r>
+              <a:rPr lang="zh-TW" altLang="en-US" dirty="0"/>
+              <a:t>耶和華的道理潔淨，存到永遠；耶和華的典章真實，全然公義─</a:t>
             </a:r>
             <a:endParaRPr lang="zh-TW" altLang="en-US" sz="6600" dirty="0"/>
           </a:p>
@@ -22144,7 +22200,7 @@
           <p:cNvPr id="2" name="標題 1">
             <a:extLst>
               <a:ext uri="{FF2B5EF4-FFF2-40B4-BE49-F238E27FC236}">
-                <a16:creationId xmlns:a16="http://schemas.microsoft.com/office/drawing/2014/main" id="{30048CD0-F832-6351-1E07-07EC2D13A243}"/>
+                <a16:creationId xmlns:a16="http://schemas.microsoft.com/office/drawing/2014/main" id="{DBB66779-FB94-D029-B5D4-C57E698E541E}"/>
               </a:ext>
             </a:extLst>
           </p:cNvPr>
@@ -22161,16 +22217,12 @@
           <a:lstStyle/>
           <a:p>
             <a:r>
+              <a:rPr lang="zh-TW" altLang="en-US" dirty="0"/>
+              <a:t>三、</a:t>
+            </a:r>
+            <a:r>
               <a:rPr lang="zh-TW" altLang="zh-TW" dirty="0"/>
-              <a:t>約翰福音六章68節</a:t>
-            </a:r>
-            <a:r>
-              <a:rPr lang="en-US" altLang="zh-TW" dirty="0"/>
-              <a:t/>
-            </a:r>
-            <a:r>
-              <a:rPr lang="zh-TW" altLang="zh-TW" dirty="0"/>
-              <a:t/>
+              <a:t>追求與耶穌相連！</a:t>
             </a:r>
             <a:endParaRPr lang="zh-TW" altLang="en-US" dirty="0"/>
           </a:p>
@@ -22181,7 +22233,7 @@
           <p:cNvPr id="3" name="內容版面配置區 2">
             <a:extLst>
               <a:ext uri="{FF2B5EF4-FFF2-40B4-BE49-F238E27FC236}">
-                <a16:creationId xmlns:a16="http://schemas.microsoft.com/office/drawing/2014/main" id="{3AC27F14-4E8D-1702-4B7F-E3BB973C780D}"/>
+                <a16:creationId xmlns:a16="http://schemas.microsoft.com/office/drawing/2014/main" id="{A9867EBA-A1D1-0619-147C-CF7790F05689}"/>
               </a:ext>
             </a:extLst>
           </p:cNvPr>
@@ -22197,16 +22249,24 @@
           <a:bodyPr/>
           <a:lstStyle/>
           <a:p>
-            <a:pPr marL="1163638" indent="-1163638"/>
-            <a:r>
-              <a:rPr lang="en-US" altLang="zh-TW" sz="6600" dirty="0"/>
-              <a:t>68.</a:t>
+            <a:pPr algn="ctr"/>
+            <a:r>
+              <a:rPr lang="en-US" altLang="zh-TW" dirty="0"/>
+              <a:t>1.</a:t>
             </a:r>
             <a:r>
               <a:rPr lang="zh-TW" altLang="zh-TW" dirty="0"/>
-              <a:t>西門•彼得回答說：「主啊，你有永生之道，我們還歸從誰呢？</a:t>
-            </a:r>
-            <a:endParaRPr lang="zh-TW" altLang="en-US" sz="6600" dirty="0"/>
+              <a:t>真理潔淨我心
+</a:t>
+            </a:r>
+            <a:r>
+              <a:t>2.</a:t>
+            </a:r>
+            <a:r>
+              <a:t>遵行神的命令～彼此相愛！
+</a:t>
+            </a:r>
+            <a:endParaRPr lang="zh-TW" altLang="en-US" dirty="0"/>
           </a:p>
         </p:txBody>
       </p:sp>
@@ -22233,7 +22293,7 @@
           <p:cNvPr id="2" name="標題 1">
             <a:extLst>
               <a:ext uri="{FF2B5EF4-FFF2-40B4-BE49-F238E27FC236}">
-                <a16:creationId xmlns:a16="http://schemas.microsoft.com/office/drawing/2014/main" id="{DBB66779-FB94-D029-B5D4-C57E698E541E}"/>
+                <a16:creationId xmlns:a16="http://schemas.microsoft.com/office/drawing/2014/main" id="{910BCF18-74FE-EDED-EFCD-12C29802E62C}"/>
               </a:ext>
             </a:extLst>
           </p:cNvPr>
@@ -22250,12 +22310,16 @@
           <a:lstStyle/>
           <a:p>
             <a:r>
-              <a:rPr lang="zh-TW" altLang="en-US" dirty="0"/>
-              <a:t>三、</a:t>
-            </a:r>
-            <a:r>
               <a:rPr lang="zh-TW" altLang="zh-TW" dirty="0"/>
-              <a:t>回歸秩序：找回那無法被奪走的中心</a:t>
+              <a:t>約翰福音十五章9-10節</a:t>
+            </a:r>
+            <a:r>
+              <a:rPr lang="en-US" altLang="zh-TW" dirty="0"/>
+              <a:t/>
+            </a:r>
+            <a:r>
+              <a:rPr lang="zh-TW" altLang="zh-TW" dirty="0"/>
+              <a:t/>
             </a:r>
             <a:endParaRPr lang="zh-TW" altLang="en-US" dirty="0"/>
           </a:p>
@@ -22266,7 +22330,7 @@
           <p:cNvPr id="3" name="內容版面配置區 2">
             <a:extLst>
               <a:ext uri="{FF2B5EF4-FFF2-40B4-BE49-F238E27FC236}">
-                <a16:creationId xmlns:a16="http://schemas.microsoft.com/office/drawing/2014/main" id="{A9867EBA-A1D1-0619-147C-CF7790F05689}"/>
+                <a16:creationId xmlns:a16="http://schemas.microsoft.com/office/drawing/2014/main" id="{11AD545B-D8C2-8589-43A3-DE3C6CE675FA}"/>
               </a:ext>
             </a:extLst>
           </p:cNvPr>
@@ -22282,24 +22346,16 @@
           <a:bodyPr/>
           <a:lstStyle/>
           <a:p>
-            <a:pPr algn="ctr"/>
-            <a:r>
-              <a:rPr lang="en-US" altLang="zh-TW" dirty="0"/>
-              <a:t>1.</a:t>
-            </a:r>
-            <a:r>
-              <a:rPr lang="zh-TW" altLang="zh-TW" dirty="0"/>
-              <a:t>尋見永生之道
-</a:t>
-            </a:r>
-            <a:r>
-              <a:t>2.</a:t>
-            </a:r>
-            <a:r>
-              <a:t>選擇永恆的位份
-</a:t>
-            </a:r>
-            <a:endParaRPr lang="zh-TW" altLang="en-US" dirty="0"/>
+            <a:pPr marL="722313" indent="-722313"/>
+            <a:r>
+              <a:rPr lang="en-US" altLang="zh-TW" sz="6600" dirty="0"/>
+              <a:t>9.</a:t>
+            </a:r>
+            <a:r>
+              <a:rPr lang="zh-TW" altLang="en-US" dirty="0"/>
+              <a:t>我愛你們，正如父愛我一樣；你們要常在我的愛裡。</a:t>
+            </a:r>
+            <a:endParaRPr lang="zh-TW" altLang="en-US" sz="6600" dirty="0"/>
           </a:p>
         </p:txBody>
       </p:sp>
@@ -22344,7 +22400,7 @@
           <a:p>
             <a:r>
               <a:rPr lang="zh-TW" altLang="zh-TW" dirty="0"/>
-              <a:t>士師記十八章27-28節</a:t>
+              <a:t>約翰福音十五章9-10節</a:t>
             </a:r>
             <a:r>
               <a:rPr lang="en-US" altLang="zh-TW" dirty="0"/>
@@ -22382,11 +22438,11 @@
             <a:pPr marL="1163638" indent="-1163638"/>
             <a:r>
               <a:rPr lang="en-US" altLang="zh-TW" sz="6600" dirty="0"/>
-              <a:t>27.</a:t>
+              <a:t>10.</a:t>
             </a:r>
             <a:r>
               <a:rPr lang="zh-TW" altLang="zh-TW" dirty="0"/>
-              <a:t>但人將米迦所做的神像和他的祭司都帶到拉億，見安居無慮的民，就用刀殺了那民，又放火燒了那城，</a:t>
+              <a:t>你們若遵守我的命令，就常在我的愛裡，正如我遵守了我父的命令，常在他的愛裡。</a:t>
             </a:r>
             <a:endParaRPr lang="zh-TW" altLang="en-US" sz="6600" dirty="0"/>
           </a:p>
@@ -22415,7 +22471,7 @@
           <p:cNvPr id="2" name="標題 1">
             <a:extLst>
               <a:ext uri="{FF2B5EF4-FFF2-40B4-BE49-F238E27FC236}">
-                <a16:creationId xmlns:a16="http://schemas.microsoft.com/office/drawing/2014/main" id="{30048CD0-F832-6351-1E07-07EC2D13A243}"/>
+                <a16:creationId xmlns:a16="http://schemas.microsoft.com/office/drawing/2014/main" id="{DBB66779-FB94-D029-B5D4-C57E698E541E}"/>
               </a:ext>
             </a:extLst>
           </p:cNvPr>
@@ -22432,16 +22488,12 @@
           <a:lstStyle/>
           <a:p>
             <a:r>
+              <a:rPr lang="zh-TW" altLang="en-US" dirty="0"/>
+              <a:t>三、</a:t>
+            </a:r>
+            <a:r>
               <a:rPr lang="zh-TW" altLang="zh-TW" dirty="0"/>
-              <a:t>士師記十八章27-28節</a:t>
-            </a:r>
-            <a:r>
-              <a:rPr lang="en-US" altLang="zh-TW" dirty="0"/>
-              <a:t/>
-            </a:r>
-            <a:r>
-              <a:rPr lang="zh-TW" altLang="zh-TW" dirty="0"/>
-              <a:t/>
+              <a:t>追求與耶穌相連！</a:t>
             </a:r>
             <a:endParaRPr lang="zh-TW" altLang="en-US" dirty="0"/>
           </a:p>
@@ -22452,7 +22504,7 @@
           <p:cNvPr id="3" name="內容版面配置區 2">
             <a:extLst>
               <a:ext uri="{FF2B5EF4-FFF2-40B4-BE49-F238E27FC236}">
-                <a16:creationId xmlns:a16="http://schemas.microsoft.com/office/drawing/2014/main" id="{3AC27F14-4E8D-1702-4B7F-E3BB973C780D}"/>
+                <a16:creationId xmlns:a16="http://schemas.microsoft.com/office/drawing/2014/main" id="{A9867EBA-A1D1-0619-147C-CF7790F05689}"/>
               </a:ext>
             </a:extLst>
           </p:cNvPr>
@@ -22468,16 +22520,24 @@
           <a:bodyPr/>
           <a:lstStyle/>
           <a:p>
-            <a:pPr marL="1163638" indent="-1163638"/>
-            <a:r>
-              <a:rPr lang="en-US" altLang="zh-TW" sz="6600" dirty="0"/>
-              <a:t>28.</a:t>
+            <a:pPr algn="ctr"/>
+            <a:r>
+              <a:rPr lang="en-US" altLang="zh-TW" dirty="0"/>
+              <a:t>2.</a:t>
             </a:r>
             <a:r>
               <a:rPr lang="zh-TW" altLang="zh-TW" dirty="0"/>
-              <a:t>並無人搭救；因為離西頓遠，他們又與別人沒有來往。城在平原，那平原靠近伯‧利合。但人又在那裡修城居住，</a:t>
-            </a:r>
-            <a:endParaRPr lang="zh-TW" altLang="en-US" sz="6600" dirty="0"/>
+              <a:t>遵行神的命令～彼此相愛！
+</a:t>
+            </a:r>
+            <a:r>
+              <a:t>(1)</a:t>
+            </a:r>
+            <a:r>
+              <a:t>捨命之愛
+</a:t>
+            </a:r>
+            <a:endParaRPr lang="zh-TW" altLang="en-US" dirty="0"/>
           </a:p>
         </p:txBody>
       </p:sp>
@@ -22504,7 +22564,7 @@
           <p:cNvPr id="2" name="標題 1">
             <a:extLst>
               <a:ext uri="{FF2B5EF4-FFF2-40B4-BE49-F238E27FC236}">
-                <a16:creationId xmlns:a16="http://schemas.microsoft.com/office/drawing/2014/main" id="{910BCF18-74FE-EDED-EFCD-12C29802E62C}"/>
+                <a16:creationId xmlns:a16="http://schemas.microsoft.com/office/drawing/2014/main" id="{30048CD0-F832-6351-1E07-07EC2D13A243}"/>
               </a:ext>
             </a:extLst>
           </p:cNvPr>
@@ -22522,7 +22582,7 @@
           <a:p>
             <a:r>
               <a:rPr lang="zh-TW" altLang="zh-TW" dirty="0"/>
-              <a:t>啟示錄七章4-8節</a:t>
+              <a:t>約翰福音十五章12-13節</a:t>
             </a:r>
             <a:r>
               <a:rPr lang="en-US" altLang="zh-TW" dirty="0"/>
@@ -22541,7 +22601,7 @@
           <p:cNvPr id="3" name="內容版面配置區 2">
             <a:extLst>
               <a:ext uri="{FF2B5EF4-FFF2-40B4-BE49-F238E27FC236}">
-                <a16:creationId xmlns:a16="http://schemas.microsoft.com/office/drawing/2014/main" id="{11AD545B-D8C2-8589-43A3-DE3C6CE675FA}"/>
+                <a16:creationId xmlns:a16="http://schemas.microsoft.com/office/drawing/2014/main" id="{3AC27F14-4E8D-1702-4B7F-E3BB973C780D}"/>
               </a:ext>
             </a:extLst>
           </p:cNvPr>
@@ -22557,14 +22617,14 @@
           <a:bodyPr/>
           <a:lstStyle/>
           <a:p>
-            <a:pPr marL="722313" indent="-722313"/>
+            <a:pPr marL="1163638" indent="-1163638"/>
             <a:r>
               <a:rPr lang="en-US" altLang="zh-TW" sz="6600" dirty="0"/>
-              <a:t>4.</a:t>
-            </a:r>
-            <a:r>
-              <a:rPr lang="zh-TW" altLang="en-US" dirty="0"/>
-              <a:t>我聽見以色列人各支派中受印的數目有十四萬四千。</a:t>
+              <a:t>12.</a:t>
+            </a:r>
+            <a:r>
+              <a:rPr lang="zh-TW" altLang="zh-TW" dirty="0"/>
+              <a:t>你們要彼此相愛，像我愛你們一樣；這就是我的命令。</a:t>
             </a:r>
             <a:endParaRPr lang="zh-TW" altLang="en-US" sz="6600" dirty="0"/>
           </a:p>
@@ -22593,7 +22653,7 @@
           <p:cNvPr id="2" name="標題 1">
             <a:extLst>
               <a:ext uri="{FF2B5EF4-FFF2-40B4-BE49-F238E27FC236}">
-                <a16:creationId xmlns:a16="http://schemas.microsoft.com/office/drawing/2014/main" id="{910BCF18-74FE-EDED-EFCD-12C29802E62C}"/>
+                <a16:creationId xmlns:a16="http://schemas.microsoft.com/office/drawing/2014/main" id="{30048CD0-F832-6351-1E07-07EC2D13A243}"/>
               </a:ext>
             </a:extLst>
           </p:cNvPr>
@@ -22611,7 +22671,7 @@
           <a:p>
             <a:r>
               <a:rPr lang="zh-TW" altLang="zh-TW" dirty="0"/>
-              <a:t>啟示錄七章4-8節</a:t>
+              <a:t>約翰福音十五章12-13節</a:t>
             </a:r>
             <a:r>
               <a:rPr lang="en-US" altLang="zh-TW" dirty="0"/>
@@ -22630,7 +22690,7 @@
           <p:cNvPr id="3" name="內容版面配置區 2">
             <a:extLst>
               <a:ext uri="{FF2B5EF4-FFF2-40B4-BE49-F238E27FC236}">
-                <a16:creationId xmlns:a16="http://schemas.microsoft.com/office/drawing/2014/main" id="{11AD545B-D8C2-8589-43A3-DE3C6CE675FA}"/>
+                <a16:creationId xmlns:a16="http://schemas.microsoft.com/office/drawing/2014/main" id="{3AC27F14-4E8D-1702-4B7F-E3BB973C780D}"/>
               </a:ext>
             </a:extLst>
           </p:cNvPr>
@@ -22646,14 +22706,14 @@
           <a:bodyPr/>
           <a:lstStyle/>
           <a:p>
-            <a:pPr marL="722313" indent="-722313"/>
+            <a:pPr marL="1163638" indent="-1163638"/>
             <a:r>
               <a:rPr lang="en-US" altLang="zh-TW" sz="6600" dirty="0"/>
-              <a:t>5.</a:t>
-            </a:r>
-            <a:r>
-              <a:rPr lang="zh-TW" altLang="en-US" dirty="0"/>
-              <a:t>猶大支派中受印的有一萬二千；流便支派中有一萬二千；迦得支派中有一萬二千；</a:t>
+              <a:t>13.</a:t>
+            </a:r>
+            <a:r>
+              <a:rPr lang="zh-TW" altLang="zh-TW" dirty="0"/>
+              <a:t>人為朋友捨命，人的愛心沒有比這個大的。</a:t>
             </a:r>
             <a:endParaRPr lang="zh-TW" altLang="en-US" sz="6600" dirty="0"/>
           </a:p>
@@ -22700,7 +22760,7 @@
           <a:p>
             <a:r>
               <a:rPr lang="zh-TW" altLang="zh-TW" dirty="0"/>
-              <a:t>啟示錄七章4-8節</a:t>
+              <a:t>約翰福音十三章1-5節</a:t>
             </a:r>
             <a:r>
               <a:rPr lang="en-US" altLang="zh-TW" dirty="0"/>
@@ -22738,11 +22798,11 @@
             <a:pPr marL="722313" indent="-722313"/>
             <a:r>
               <a:rPr lang="en-US" altLang="zh-TW" sz="6600" dirty="0"/>
-              <a:t>6.</a:t>
+              <a:t>1.</a:t>
             </a:r>
             <a:r>
               <a:rPr lang="zh-TW" altLang="en-US" dirty="0"/>
-              <a:t>亞設支派中有一萬二千；拿弗他利支派中有一萬二千；瑪拿西支派中有一萬二千；</a:t>
+              <a:t>逾越節以前，耶穌知道自己離世歸父的時候到了。他既然愛世間屬自己的人，就愛他們到底。</a:t>
             </a:r>
             <a:endParaRPr lang="zh-TW" altLang="en-US" sz="6600" dirty="0"/>
           </a:p>
@@ -22789,7 +22849,7 @@
           <a:p>
             <a:r>
               <a:rPr lang="zh-TW" altLang="zh-TW" dirty="0"/>
-              <a:t>啟示錄七章4-8節</a:t>
+              <a:t>約翰福音十三章1-5節</a:t>
             </a:r>
             <a:r>
               <a:rPr lang="en-US" altLang="zh-TW" dirty="0"/>
@@ -22827,11 +22887,11 @@
             <a:pPr marL="722313" indent="-722313"/>
             <a:r>
               <a:rPr lang="en-US" altLang="zh-TW" sz="6600" dirty="0"/>
-              <a:t>7.</a:t>
+              <a:t>2.</a:t>
             </a:r>
             <a:r>
               <a:rPr lang="zh-TW" altLang="en-US" dirty="0"/>
-              <a:t>西緬支派中有一萬二千；利未支派中有一萬二千；以薩迦支派中有一萬二千；</a:t>
+              <a:t>吃晚飯的時候，魔鬼已將賣耶穌的意思放在西門的兒子加略人猶大心裡。</a:t>
             </a:r>
             <a:endParaRPr lang="zh-TW" altLang="en-US" sz="6600" dirty="0"/>
           </a:p>
@@ -22878,7 +22938,7 @@
           <a:p>
             <a:r>
               <a:rPr lang="zh-TW" altLang="zh-TW" dirty="0"/>
-              <a:t>啟示錄七章4-8節</a:t>
+              <a:t>約翰福音十三章1-5節</a:t>
             </a:r>
             <a:r>
               <a:rPr lang="en-US" altLang="zh-TW" dirty="0"/>
@@ -22916,11 +22976,11 @@
             <a:pPr marL="722313" indent="-722313"/>
             <a:r>
               <a:rPr lang="en-US" altLang="zh-TW" sz="6600" dirty="0"/>
-              <a:t>8.</a:t>
+              <a:t>3.</a:t>
             </a:r>
             <a:r>
               <a:rPr lang="zh-TW" altLang="en-US" dirty="0"/>
-              <a:t>西布倫支派中有一萬二千；約瑟支派中有一萬二千；便雅憫支派中受印的有一萬二千。</a:t>
+              <a:t>耶穌知道父已將萬有交在他手裡，且知道自己是從 神出來的，又要歸到 神那裡去，</a:t>
             </a:r>
             <a:endParaRPr lang="zh-TW" altLang="en-US" sz="6600" dirty="0"/>
           </a:p>
@@ -22949,7 +23009,7 @@
           <p:cNvPr id="2" name="標題 1">
             <a:extLst>
               <a:ext uri="{FF2B5EF4-FFF2-40B4-BE49-F238E27FC236}">
-                <a16:creationId xmlns:a16="http://schemas.microsoft.com/office/drawing/2014/main" id="{DBB66779-FB94-D029-B5D4-C57E698E541E}"/>
+                <a16:creationId xmlns:a16="http://schemas.microsoft.com/office/drawing/2014/main" id="{910BCF18-74FE-EDED-EFCD-12C29802E62C}"/>
               </a:ext>
             </a:extLst>
           </p:cNvPr>
@@ -22966,12 +23026,16 @@
           <a:lstStyle/>
           <a:p>
             <a:r>
-              <a:rPr lang="zh-TW" altLang="en-US" dirty="0"/>
-              <a:t>三、</a:t>
-            </a:r>
-            <a:r>
               <a:rPr lang="zh-TW" altLang="zh-TW" dirty="0"/>
-              <a:t>回歸秩序：找回那無法被奪走的中心</a:t>
+              <a:t>約翰福音十三章1-5節</a:t>
+            </a:r>
+            <a:r>
+              <a:rPr lang="en-US" altLang="zh-TW" dirty="0"/>
+              <a:t/>
+            </a:r>
+            <a:r>
+              <a:rPr lang="zh-TW" altLang="zh-TW" dirty="0"/>
+              <a:t/>
             </a:r>
             <a:endParaRPr lang="zh-TW" altLang="en-US" dirty="0"/>
           </a:p>
@@ -22982,7 +23046,7 @@
           <p:cNvPr id="3" name="內容版面配置區 2">
             <a:extLst>
               <a:ext uri="{FF2B5EF4-FFF2-40B4-BE49-F238E27FC236}">
-                <a16:creationId xmlns:a16="http://schemas.microsoft.com/office/drawing/2014/main" id="{A9867EBA-A1D1-0619-147C-CF7790F05689}"/>
+                <a16:creationId xmlns:a16="http://schemas.microsoft.com/office/drawing/2014/main" id="{11AD545B-D8C2-8589-43A3-DE3C6CE675FA}"/>
               </a:ext>
             </a:extLst>
           </p:cNvPr>
@@ -22998,31 +23062,16 @@
           <a:bodyPr/>
           <a:lstStyle/>
           <a:p>
-            <a:pPr algn="ctr"/>
-            <a:r>
-              <a:rPr lang="en-US" altLang="zh-TW" dirty="0"/>
-              <a:t>1.</a:t>
-            </a:r>
-            <a:r>
-              <a:rPr lang="zh-TW" altLang="zh-TW" dirty="0"/>
-              <a:t>尋見永生之道
-</a:t>
-            </a:r>
-            <a:r>
-              <a:t>2.</a:t>
-            </a:r>
-            <a:r>
-              <a:t>選擇永恆的位份
-</a:t>
-            </a:r>
-            <a:r>
-              <a:t>3.</a:t>
-            </a:r>
-            <a:r>
-              <a:t>生命以基督為中心
-</a:t>
-            </a:r>
-            <a:endParaRPr lang="zh-TW" altLang="en-US" dirty="0"/>
+            <a:pPr marL="722313" indent="-722313"/>
+            <a:r>
+              <a:rPr lang="en-US" altLang="zh-TW" sz="6600" dirty="0"/>
+              <a:t>4.</a:t>
+            </a:r>
+            <a:r>
+              <a:rPr lang="zh-TW" altLang="en-US" dirty="0"/>
+              <a:t>就離席站起來，脫了衣服，拿一條手巾束腰，</a:t>
+            </a:r>
+            <a:endParaRPr lang="zh-TW" altLang="en-US" sz="6600" dirty="0"/>
           </a:p>
         </p:txBody>
       </p:sp>
@@ -23156,7 +23205,7 @@
           <p:cNvPr id="2" name="標題 1">
             <a:extLst>
               <a:ext uri="{FF2B5EF4-FFF2-40B4-BE49-F238E27FC236}">
-                <a16:creationId xmlns:a16="http://schemas.microsoft.com/office/drawing/2014/main" id="{30048CD0-F832-6351-1E07-07EC2D13A243}"/>
+                <a16:creationId xmlns:a16="http://schemas.microsoft.com/office/drawing/2014/main" id="{910BCF18-74FE-EDED-EFCD-12C29802E62C}"/>
               </a:ext>
             </a:extLst>
           </p:cNvPr>
@@ -23174,7 +23223,7 @@
           <a:p>
             <a:r>
               <a:rPr lang="zh-TW" altLang="zh-TW" dirty="0"/>
-              <a:t>士師記十八章31節</a:t>
+              <a:t>約翰福音十三章1-5節</a:t>
             </a:r>
             <a:r>
               <a:rPr lang="en-US" altLang="zh-TW" dirty="0"/>
@@ -23193,7 +23242,7 @@
           <p:cNvPr id="3" name="內容版面配置區 2">
             <a:extLst>
               <a:ext uri="{FF2B5EF4-FFF2-40B4-BE49-F238E27FC236}">
-                <a16:creationId xmlns:a16="http://schemas.microsoft.com/office/drawing/2014/main" id="{3AC27F14-4E8D-1702-4B7F-E3BB973C780D}"/>
+                <a16:creationId xmlns:a16="http://schemas.microsoft.com/office/drawing/2014/main" id="{11AD545B-D8C2-8589-43A3-DE3C6CE675FA}"/>
               </a:ext>
             </a:extLst>
           </p:cNvPr>
@@ -23209,14 +23258,14 @@
           <a:bodyPr/>
           <a:lstStyle/>
           <a:p>
-            <a:pPr marL="1163638" indent="-1163638"/>
+            <a:pPr marL="722313" indent="-722313"/>
             <a:r>
               <a:rPr lang="en-US" altLang="zh-TW" sz="6600" dirty="0"/>
-              <a:t>31.</a:t>
-            </a:r>
-            <a:r>
-              <a:rPr lang="zh-TW" altLang="zh-TW" dirty="0"/>
-              <a:t>神的殿在示羅多少日子，但人為自己設立米迦所雕刻的像也在但多少日子。</a:t>
+              <a:t>5.</a:t>
+            </a:r>
+            <a:r>
+              <a:rPr lang="zh-TW" altLang="en-US" dirty="0"/>
+              <a:t>隨後把水倒在盆裡，就洗門徒的腳，並用自己所束的手巾擦乾。</a:t>
             </a:r>
             <a:endParaRPr lang="zh-TW" altLang="en-US" sz="6600" dirty="0"/>
           </a:p>
@@ -23263,7 +23312,7 @@
           <a:p>
             <a:r>
               <a:rPr lang="zh-TW" altLang="zh-TW" dirty="0"/>
-              <a:t>約翰福音一章14節</a:t>
+              <a:t>約翰一書三章16-18節</a:t>
             </a:r>
             <a:r>
               <a:rPr lang="en-US" altLang="zh-TW" dirty="0"/>
@@ -23301,11 +23350,752 @@
             <a:pPr marL="1163638" indent="-1163638"/>
             <a:r>
               <a:rPr lang="en-US" altLang="zh-TW" sz="6600" dirty="0"/>
+              <a:t>16.</a:t>
+            </a:r>
+            <a:r>
+              <a:rPr lang="zh-TW" altLang="zh-TW" dirty="0"/>
+              <a:t>主為我們捨命，我們從此就知道何為愛；我們也當為弟兄捨命。</a:t>
+            </a:r>
+            <a:endParaRPr lang="zh-TW" altLang="en-US" sz="6600" dirty="0"/>
+          </a:p>
+        </p:txBody>
+      </p:sp>
+    </p:spTree>
+  </p:cSld>
+  <p:clrMapOvr>
+    <a:masterClrMapping/>
+  </p:clrMapOvr>
+</p:sld>
+</file>
+
+<file path=ppt/slides/slide62.xml><?xml version="1.0" encoding="utf-8"?>
+<p:sld xmlns:a="http://schemas.openxmlformats.org/drawingml/2006/main" xmlns:p="http://schemas.openxmlformats.org/presentationml/2006/main" xmlns:r="http://schemas.openxmlformats.org/officeDocument/2006/relationships">
+  <p:cSld>
+    <p:spTree>
+      <p:nvGrpSpPr>
+        <p:cNvPr id="1" name=""/>
+        <p:cNvGrpSpPr/>
+        <p:nvPr/>
+      </p:nvGrpSpPr>
+      <p:grpSpPr/>
+      <p:sp>
+        <p:nvSpPr>
+          <p:cNvPr id="2" name="標題 1">
+            <a:extLst>
+              <a:ext uri="{FF2B5EF4-FFF2-40B4-BE49-F238E27FC236}">
+                <a16:creationId xmlns:a16="http://schemas.microsoft.com/office/drawing/2014/main" id="{30048CD0-F832-6351-1E07-07EC2D13A243}"/>
+              </a:ext>
+            </a:extLst>
+          </p:cNvPr>
+          <p:cNvSpPr>
+            <a:spLocks noGrp="1"/>
+          </p:cNvSpPr>
+          <p:nvPr>
+            <p:ph type="title"/>
+          </p:nvPr>
+        </p:nvSpPr>
+        <p:spPr/>
+        <p:txBody>
+          <a:bodyPr/>
+          <a:lstStyle/>
+          <a:p>
+            <a:r>
+              <a:rPr lang="zh-TW" altLang="zh-TW" dirty="0"/>
+              <a:t>約翰一書三章16-18節</a:t>
+            </a:r>
+            <a:r>
+              <a:rPr lang="en-US" altLang="zh-TW" dirty="0"/>
+              <a:t/>
+            </a:r>
+            <a:r>
+              <a:rPr lang="zh-TW" altLang="zh-TW" dirty="0"/>
+              <a:t/>
+            </a:r>
+            <a:endParaRPr lang="zh-TW" altLang="en-US" dirty="0"/>
+          </a:p>
+        </p:txBody>
+      </p:sp>
+      <p:sp>
+        <p:nvSpPr>
+          <p:cNvPr id="3" name="內容版面配置區 2">
+            <a:extLst>
+              <a:ext uri="{FF2B5EF4-FFF2-40B4-BE49-F238E27FC236}">
+                <a16:creationId xmlns:a16="http://schemas.microsoft.com/office/drawing/2014/main" id="{3AC27F14-4E8D-1702-4B7F-E3BB973C780D}"/>
+              </a:ext>
+            </a:extLst>
+          </p:cNvPr>
+          <p:cNvSpPr>
+            <a:spLocks noGrp="1"/>
+          </p:cNvSpPr>
+          <p:nvPr>
+            <p:ph idx="1"/>
+          </p:nvPr>
+        </p:nvSpPr>
+        <p:spPr/>
+        <p:txBody>
+          <a:bodyPr/>
+          <a:lstStyle/>
+          <a:p>
+            <a:pPr marL="1163638" indent="-1163638"/>
+            <a:r>
+              <a:rPr lang="en-US" altLang="zh-TW" sz="6600" dirty="0"/>
+              <a:t>17.</a:t>
+            </a:r>
+            <a:r>
+              <a:rPr lang="zh-TW" altLang="zh-TW" dirty="0"/>
+              <a:t>凡有世上財物的，看見弟兄窮乏，卻塞住憐恤的心，愛 神的心怎能存在他裡面呢？</a:t>
+            </a:r>
+            <a:endParaRPr lang="zh-TW" altLang="en-US" sz="6600" dirty="0"/>
+          </a:p>
+        </p:txBody>
+      </p:sp>
+    </p:spTree>
+  </p:cSld>
+  <p:clrMapOvr>
+    <a:masterClrMapping/>
+  </p:clrMapOvr>
+</p:sld>
+</file>
+
+<file path=ppt/slides/slide63.xml><?xml version="1.0" encoding="utf-8"?>
+<p:sld xmlns:a="http://schemas.openxmlformats.org/drawingml/2006/main" xmlns:p="http://schemas.openxmlformats.org/presentationml/2006/main" xmlns:r="http://schemas.openxmlformats.org/officeDocument/2006/relationships">
+  <p:cSld>
+    <p:spTree>
+      <p:nvGrpSpPr>
+        <p:cNvPr id="1" name=""/>
+        <p:cNvGrpSpPr/>
+        <p:nvPr/>
+      </p:nvGrpSpPr>
+      <p:grpSpPr/>
+      <p:sp>
+        <p:nvSpPr>
+          <p:cNvPr id="2" name="標題 1">
+            <a:extLst>
+              <a:ext uri="{FF2B5EF4-FFF2-40B4-BE49-F238E27FC236}">
+                <a16:creationId xmlns:a16="http://schemas.microsoft.com/office/drawing/2014/main" id="{30048CD0-F832-6351-1E07-07EC2D13A243}"/>
+              </a:ext>
+            </a:extLst>
+          </p:cNvPr>
+          <p:cNvSpPr>
+            <a:spLocks noGrp="1"/>
+          </p:cNvSpPr>
+          <p:nvPr>
+            <p:ph type="title"/>
+          </p:nvPr>
+        </p:nvSpPr>
+        <p:spPr/>
+        <p:txBody>
+          <a:bodyPr/>
+          <a:lstStyle/>
+          <a:p>
+            <a:r>
+              <a:rPr lang="zh-TW" altLang="zh-TW" dirty="0"/>
+              <a:t>約翰一書三章16-18節</a:t>
+            </a:r>
+            <a:r>
+              <a:rPr lang="en-US" altLang="zh-TW" dirty="0"/>
+              <a:t/>
+            </a:r>
+            <a:r>
+              <a:rPr lang="zh-TW" altLang="zh-TW" dirty="0"/>
+              <a:t/>
+            </a:r>
+            <a:endParaRPr lang="zh-TW" altLang="en-US" dirty="0"/>
+          </a:p>
+        </p:txBody>
+      </p:sp>
+      <p:sp>
+        <p:nvSpPr>
+          <p:cNvPr id="3" name="內容版面配置區 2">
+            <a:extLst>
+              <a:ext uri="{FF2B5EF4-FFF2-40B4-BE49-F238E27FC236}">
+                <a16:creationId xmlns:a16="http://schemas.microsoft.com/office/drawing/2014/main" id="{3AC27F14-4E8D-1702-4B7F-E3BB973C780D}"/>
+              </a:ext>
+            </a:extLst>
+          </p:cNvPr>
+          <p:cNvSpPr>
+            <a:spLocks noGrp="1"/>
+          </p:cNvSpPr>
+          <p:nvPr>
+            <p:ph idx="1"/>
+          </p:nvPr>
+        </p:nvSpPr>
+        <p:spPr/>
+        <p:txBody>
+          <a:bodyPr/>
+          <a:lstStyle/>
+          <a:p>
+            <a:pPr marL="1163638" indent="-1163638"/>
+            <a:r>
+              <a:rPr lang="en-US" altLang="zh-TW" sz="6600" dirty="0"/>
+              <a:t>18.</a:t>
+            </a:r>
+            <a:r>
+              <a:rPr lang="zh-TW" altLang="zh-TW" dirty="0"/>
+              <a:t>小子們哪，我們相愛，不要只在言語和舌頭上，總要在行為和誠實上。</a:t>
+            </a:r>
+            <a:endParaRPr lang="zh-TW" altLang="en-US" sz="6600" dirty="0"/>
+          </a:p>
+        </p:txBody>
+      </p:sp>
+    </p:spTree>
+  </p:cSld>
+  <p:clrMapOvr>
+    <a:masterClrMapping/>
+  </p:clrMapOvr>
+</p:sld>
+</file>
+
+<file path=ppt/slides/slide64.xml><?xml version="1.0" encoding="utf-8"?>
+<p:sld xmlns:a="http://schemas.openxmlformats.org/drawingml/2006/main" xmlns:p="http://schemas.openxmlformats.org/presentationml/2006/main" xmlns:r="http://schemas.openxmlformats.org/officeDocument/2006/relationships">
+  <p:cSld>
+    <p:spTree>
+      <p:nvGrpSpPr>
+        <p:cNvPr id="1" name=""/>
+        <p:cNvGrpSpPr/>
+        <p:nvPr/>
+      </p:nvGrpSpPr>
+      <p:grpSpPr/>
+      <p:sp>
+        <p:nvSpPr>
+          <p:cNvPr id="2" name="標題 1">
+            <a:extLst>
+              <a:ext uri="{FF2B5EF4-FFF2-40B4-BE49-F238E27FC236}">
+                <a16:creationId xmlns:a16="http://schemas.microsoft.com/office/drawing/2014/main" id="{DBB66779-FB94-D029-B5D4-C57E698E541E}"/>
+              </a:ext>
+            </a:extLst>
+          </p:cNvPr>
+          <p:cNvSpPr>
+            <a:spLocks noGrp="1"/>
+          </p:cNvSpPr>
+          <p:nvPr>
+            <p:ph type="title"/>
+          </p:nvPr>
+        </p:nvSpPr>
+        <p:spPr/>
+        <p:txBody>
+          <a:bodyPr/>
+          <a:lstStyle/>
+          <a:p>
+            <a:r>
+              <a:rPr lang="zh-TW" altLang="en-US" dirty="0"/>
+              <a:t>三、</a:t>
+            </a:r>
+            <a:r>
+              <a:rPr lang="zh-TW" altLang="zh-TW" dirty="0"/>
+              <a:t>追求與耶穌相連！</a:t>
+            </a:r>
+            <a:endParaRPr lang="zh-TW" altLang="en-US" dirty="0"/>
+          </a:p>
+        </p:txBody>
+      </p:sp>
+      <p:sp>
+        <p:nvSpPr>
+          <p:cNvPr id="3" name="內容版面配置區 2">
+            <a:extLst>
+              <a:ext uri="{FF2B5EF4-FFF2-40B4-BE49-F238E27FC236}">
+                <a16:creationId xmlns:a16="http://schemas.microsoft.com/office/drawing/2014/main" id="{A9867EBA-A1D1-0619-147C-CF7790F05689}"/>
+              </a:ext>
+            </a:extLst>
+          </p:cNvPr>
+          <p:cNvSpPr>
+            <a:spLocks noGrp="1"/>
+          </p:cNvSpPr>
+          <p:nvPr>
+            <p:ph idx="1"/>
+          </p:nvPr>
+        </p:nvSpPr>
+        <p:spPr/>
+        <p:txBody>
+          <a:bodyPr/>
+          <a:lstStyle/>
+          <a:p>
+            <a:pPr algn="ctr"/>
+            <a:r>
+              <a:rPr lang="en-US" altLang="zh-TW" dirty="0"/>
+              <a:t>2.</a:t>
+            </a:r>
+            <a:r>
+              <a:rPr lang="zh-TW" altLang="zh-TW" dirty="0"/>
+              <a:t>遵行神的命令～彼此相愛！
+</a:t>
+            </a:r>
+            <a:r>
+              <a:t>(1)</a:t>
+            </a:r>
+            <a:r>
+              <a:t>捨命之愛
+</a:t>
+            </a:r>
+            <a:r>
+              <a:t>(2)</a:t>
+            </a:r>
+            <a:r>
+              <a:t>支取愛的智慧
+</a:t>
+            </a:r>
+            <a:endParaRPr lang="zh-TW" altLang="en-US" dirty="0"/>
+          </a:p>
+        </p:txBody>
+      </p:sp>
+    </p:spTree>
+  </p:cSld>
+  <p:clrMapOvr>
+    <a:masterClrMapping/>
+  </p:clrMapOvr>
+</p:sld>
+</file>
+
+<file path=ppt/slides/slide65.xml><?xml version="1.0" encoding="utf-8"?>
+<p:sld xmlns:a="http://schemas.openxmlformats.org/drawingml/2006/main" xmlns:p="http://schemas.openxmlformats.org/presentationml/2006/main" xmlns:r="http://schemas.openxmlformats.org/officeDocument/2006/relationships">
+  <p:cSld>
+    <p:spTree>
+      <p:nvGrpSpPr>
+        <p:cNvPr id="1" name=""/>
+        <p:cNvGrpSpPr/>
+        <p:nvPr/>
+      </p:nvGrpSpPr>
+      <p:grpSpPr/>
+      <p:sp>
+        <p:nvSpPr>
+          <p:cNvPr id="2" name="標題 1">
+            <a:extLst>
+              <a:ext uri="{FF2B5EF4-FFF2-40B4-BE49-F238E27FC236}">
+                <a16:creationId xmlns:a16="http://schemas.microsoft.com/office/drawing/2014/main" id="{910BCF18-74FE-EDED-EFCD-12C29802E62C}"/>
+              </a:ext>
+            </a:extLst>
+          </p:cNvPr>
+          <p:cNvSpPr>
+            <a:spLocks noGrp="1"/>
+          </p:cNvSpPr>
+          <p:nvPr>
+            <p:ph type="title"/>
+          </p:nvPr>
+        </p:nvSpPr>
+        <p:spPr/>
+        <p:txBody>
+          <a:bodyPr/>
+          <a:lstStyle/>
+          <a:p>
+            <a:r>
+              <a:rPr lang="zh-TW" altLang="zh-TW" dirty="0"/>
+              <a:t>腓立比書一章9-10節</a:t>
+            </a:r>
+            <a:r>
+              <a:rPr lang="en-US" altLang="zh-TW" dirty="0"/>
+              <a:t/>
+            </a:r>
+            <a:r>
+              <a:rPr lang="zh-TW" altLang="zh-TW" dirty="0"/>
+              <a:t/>
+            </a:r>
+            <a:endParaRPr lang="zh-TW" altLang="en-US" dirty="0"/>
+          </a:p>
+        </p:txBody>
+      </p:sp>
+      <p:sp>
+        <p:nvSpPr>
+          <p:cNvPr id="3" name="內容版面配置區 2">
+            <a:extLst>
+              <a:ext uri="{FF2B5EF4-FFF2-40B4-BE49-F238E27FC236}">
+                <a16:creationId xmlns:a16="http://schemas.microsoft.com/office/drawing/2014/main" id="{11AD545B-D8C2-8589-43A3-DE3C6CE675FA}"/>
+              </a:ext>
+            </a:extLst>
+          </p:cNvPr>
+          <p:cNvSpPr>
+            <a:spLocks noGrp="1"/>
+          </p:cNvSpPr>
+          <p:nvPr>
+            <p:ph idx="1"/>
+          </p:nvPr>
+        </p:nvSpPr>
+        <p:spPr/>
+        <p:txBody>
+          <a:bodyPr/>
+          <a:lstStyle/>
+          <a:p>
+            <a:pPr marL="722313" indent="-722313"/>
+            <a:r>
+              <a:rPr lang="en-US" altLang="zh-TW" sz="6600" dirty="0"/>
+              <a:t>9.</a:t>
+            </a:r>
+            <a:r>
+              <a:rPr lang="zh-TW" altLang="en-US" dirty="0"/>
+              <a:t>我所禱告的，就是要你們的愛心在知識和各樣見識上多而又多，</a:t>
+            </a:r>
+            <a:endParaRPr lang="zh-TW" altLang="en-US" sz="6600" dirty="0"/>
+          </a:p>
+        </p:txBody>
+      </p:sp>
+    </p:spTree>
+  </p:cSld>
+  <p:clrMapOvr>
+    <a:masterClrMapping/>
+  </p:clrMapOvr>
+</p:sld>
+</file>
+
+<file path=ppt/slides/slide66.xml><?xml version="1.0" encoding="utf-8"?>
+<p:sld xmlns:a="http://schemas.openxmlformats.org/drawingml/2006/main" xmlns:p="http://schemas.openxmlformats.org/presentationml/2006/main" xmlns:r="http://schemas.openxmlformats.org/officeDocument/2006/relationships">
+  <p:cSld>
+    <p:spTree>
+      <p:nvGrpSpPr>
+        <p:cNvPr id="1" name=""/>
+        <p:cNvGrpSpPr/>
+        <p:nvPr/>
+      </p:nvGrpSpPr>
+      <p:grpSpPr/>
+      <p:sp>
+        <p:nvSpPr>
+          <p:cNvPr id="2" name="標題 1">
+            <a:extLst>
+              <a:ext uri="{FF2B5EF4-FFF2-40B4-BE49-F238E27FC236}">
+                <a16:creationId xmlns:a16="http://schemas.microsoft.com/office/drawing/2014/main" id="{30048CD0-F832-6351-1E07-07EC2D13A243}"/>
+              </a:ext>
+            </a:extLst>
+          </p:cNvPr>
+          <p:cNvSpPr>
+            <a:spLocks noGrp="1"/>
+          </p:cNvSpPr>
+          <p:nvPr>
+            <p:ph type="title"/>
+          </p:nvPr>
+        </p:nvSpPr>
+        <p:spPr/>
+        <p:txBody>
+          <a:bodyPr/>
+          <a:lstStyle/>
+          <a:p>
+            <a:r>
+              <a:rPr lang="zh-TW" altLang="zh-TW" dirty="0"/>
+              <a:t>腓立比書一章9-10節</a:t>
+            </a:r>
+            <a:r>
+              <a:rPr lang="en-US" altLang="zh-TW" dirty="0"/>
+              <a:t/>
+            </a:r>
+            <a:r>
+              <a:rPr lang="zh-TW" altLang="zh-TW" dirty="0"/>
+              <a:t/>
+            </a:r>
+            <a:endParaRPr lang="zh-TW" altLang="en-US" dirty="0"/>
+          </a:p>
+        </p:txBody>
+      </p:sp>
+      <p:sp>
+        <p:nvSpPr>
+          <p:cNvPr id="3" name="內容版面配置區 2">
+            <a:extLst>
+              <a:ext uri="{FF2B5EF4-FFF2-40B4-BE49-F238E27FC236}">
+                <a16:creationId xmlns:a16="http://schemas.microsoft.com/office/drawing/2014/main" id="{3AC27F14-4E8D-1702-4B7F-E3BB973C780D}"/>
+              </a:ext>
+            </a:extLst>
+          </p:cNvPr>
+          <p:cNvSpPr>
+            <a:spLocks noGrp="1"/>
+          </p:cNvSpPr>
+          <p:nvPr>
+            <p:ph idx="1"/>
+          </p:nvPr>
+        </p:nvSpPr>
+        <p:spPr/>
+        <p:txBody>
+          <a:bodyPr/>
+          <a:lstStyle/>
+          <a:p>
+            <a:pPr marL="1163638" indent="-1163638"/>
+            <a:r>
+              <a:rPr lang="en-US" altLang="zh-TW" sz="6600" dirty="0"/>
+              <a:t>10.</a:t>
+            </a:r>
+            <a:r>
+              <a:rPr lang="zh-TW" altLang="zh-TW" dirty="0"/>
+              <a:t>使你們能分別是非（或譯：喜愛那美好的事），作誠實無過的人，直到基督的日子；</a:t>
+            </a:r>
+            <a:endParaRPr lang="zh-TW" altLang="en-US" sz="6600" dirty="0"/>
+          </a:p>
+        </p:txBody>
+      </p:sp>
+    </p:spTree>
+  </p:cSld>
+  <p:clrMapOvr>
+    <a:masterClrMapping/>
+  </p:clrMapOvr>
+</p:sld>
+</file>
+
+<file path=ppt/slides/slide67.xml><?xml version="1.0" encoding="utf-8"?>
+<p:sld xmlns:a="http://schemas.openxmlformats.org/drawingml/2006/main" xmlns:p="http://schemas.openxmlformats.org/presentationml/2006/main" xmlns:r="http://schemas.openxmlformats.org/officeDocument/2006/relationships">
+  <p:cSld>
+    <p:spTree>
+      <p:nvGrpSpPr>
+        <p:cNvPr id="1" name=""/>
+        <p:cNvGrpSpPr/>
+        <p:nvPr/>
+      </p:nvGrpSpPr>
+      <p:grpSpPr/>
+      <p:sp>
+        <p:nvSpPr>
+          <p:cNvPr id="2" name="標題 1">
+            <a:extLst>
+              <a:ext uri="{FF2B5EF4-FFF2-40B4-BE49-F238E27FC236}">
+                <a16:creationId xmlns:a16="http://schemas.microsoft.com/office/drawing/2014/main" id="{DBB66779-FB94-D029-B5D4-C57E698E541E}"/>
+              </a:ext>
+            </a:extLst>
+          </p:cNvPr>
+          <p:cNvSpPr>
+            <a:spLocks noGrp="1"/>
+          </p:cNvSpPr>
+          <p:nvPr>
+            <p:ph type="title"/>
+          </p:nvPr>
+        </p:nvSpPr>
+        <p:spPr/>
+        <p:txBody>
+          <a:bodyPr/>
+          <a:lstStyle/>
+          <a:p>
+            <a:r>
+              <a:rPr lang="zh-TW" altLang="en-US" dirty="0"/>
+              <a:t>三、</a:t>
+            </a:r>
+            <a:r>
+              <a:rPr lang="zh-TW" altLang="zh-TW" dirty="0"/>
+              <a:t>追求與耶穌相連！</a:t>
+            </a:r>
+            <a:endParaRPr lang="zh-TW" altLang="en-US" dirty="0"/>
+          </a:p>
+        </p:txBody>
+      </p:sp>
+      <p:sp>
+        <p:nvSpPr>
+          <p:cNvPr id="3" name="內容版面配置區 2">
+            <a:extLst>
+              <a:ext uri="{FF2B5EF4-FFF2-40B4-BE49-F238E27FC236}">
+                <a16:creationId xmlns:a16="http://schemas.microsoft.com/office/drawing/2014/main" id="{A9867EBA-A1D1-0619-147C-CF7790F05689}"/>
+              </a:ext>
+            </a:extLst>
+          </p:cNvPr>
+          <p:cNvSpPr>
+            <a:spLocks noGrp="1"/>
+          </p:cNvSpPr>
+          <p:nvPr>
+            <p:ph idx="1"/>
+          </p:nvPr>
+        </p:nvSpPr>
+        <p:spPr/>
+        <p:txBody>
+          <a:bodyPr/>
+          <a:lstStyle/>
+          <a:p>
+            <a:pPr algn="ctr"/>
+            <a:r>
+              <a:rPr lang="en-US" altLang="zh-TW" dirty="0"/>
+              <a:t>2.</a:t>
+            </a:r>
+            <a:r>
+              <a:rPr lang="zh-TW" altLang="zh-TW" dirty="0"/>
+              <a:t>遵行神的命令～彼此相愛！
+</a:t>
+            </a:r>
+            <a:r>
+              <a:t>(1)</a:t>
+            </a:r>
+            <a:r>
+              <a:t>捨命之愛
+</a:t>
+            </a:r>
+            <a:r>
+              <a:t>(2)</a:t>
+            </a:r>
+            <a:r>
+              <a:t>支取愛的智慧
+</a:t>
+            </a:r>
+            <a:r>
+              <a:t>(3)</a:t>
+            </a:r>
+            <a:r>
+              <a:t>領受愛的能力
+</a:t>
+            </a:r>
+            <a:endParaRPr lang="zh-TW" altLang="en-US" dirty="0"/>
+          </a:p>
+        </p:txBody>
+      </p:sp>
+    </p:spTree>
+  </p:cSld>
+  <p:clrMapOvr>
+    <a:masterClrMapping/>
+  </p:clrMapOvr>
+</p:sld>
+</file>
+
+<file path=ppt/slides/slide68.xml><?xml version="1.0" encoding="utf-8"?>
+<p:sld xmlns:a="http://schemas.openxmlformats.org/drawingml/2006/main" xmlns:p="http://schemas.openxmlformats.org/presentationml/2006/main" xmlns:r="http://schemas.openxmlformats.org/officeDocument/2006/relationships">
+  <p:cSld>
+    <p:spTree>
+      <p:nvGrpSpPr>
+        <p:cNvPr id="1" name=""/>
+        <p:cNvGrpSpPr/>
+        <p:nvPr/>
+      </p:nvGrpSpPr>
+      <p:grpSpPr/>
+      <p:sp>
+        <p:nvSpPr>
+          <p:cNvPr id="2" name="標題 1">
+            <a:extLst>
+              <a:ext uri="{FF2B5EF4-FFF2-40B4-BE49-F238E27FC236}">
+                <a16:creationId xmlns:a16="http://schemas.microsoft.com/office/drawing/2014/main" id="{30048CD0-F832-6351-1E07-07EC2D13A243}"/>
+              </a:ext>
+            </a:extLst>
+          </p:cNvPr>
+          <p:cNvSpPr>
+            <a:spLocks noGrp="1"/>
+          </p:cNvSpPr>
+          <p:nvPr>
+            <p:ph type="title"/>
+          </p:nvPr>
+        </p:nvSpPr>
+        <p:spPr/>
+        <p:txBody>
+          <a:bodyPr/>
+          <a:lstStyle/>
+          <a:p>
+            <a:r>
+              <a:rPr lang="zh-TW" altLang="zh-TW" dirty="0"/>
+              <a:t>以弗所書三章14-20節</a:t>
+            </a:r>
+            <a:r>
+              <a:rPr lang="en-US" altLang="zh-TW" dirty="0"/>
+              <a:t/>
+            </a:r>
+            <a:r>
+              <a:rPr lang="zh-TW" altLang="zh-TW" dirty="0"/>
+              <a:t/>
+            </a:r>
+            <a:endParaRPr lang="zh-TW" altLang="en-US" dirty="0"/>
+          </a:p>
+        </p:txBody>
+      </p:sp>
+      <p:sp>
+        <p:nvSpPr>
+          <p:cNvPr id="3" name="內容版面配置區 2">
+            <a:extLst>
+              <a:ext uri="{FF2B5EF4-FFF2-40B4-BE49-F238E27FC236}">
+                <a16:creationId xmlns:a16="http://schemas.microsoft.com/office/drawing/2014/main" id="{3AC27F14-4E8D-1702-4B7F-E3BB973C780D}"/>
+              </a:ext>
+            </a:extLst>
+          </p:cNvPr>
+          <p:cNvSpPr>
+            <a:spLocks noGrp="1"/>
+          </p:cNvSpPr>
+          <p:nvPr>
+            <p:ph idx="1"/>
+          </p:nvPr>
+        </p:nvSpPr>
+        <p:spPr/>
+        <p:txBody>
+          <a:bodyPr/>
+          <a:lstStyle/>
+          <a:p>
+            <a:pPr marL="1163638" indent="-1163638"/>
+            <a:r>
+              <a:rPr lang="en-US" altLang="zh-TW" sz="6600" dirty="0"/>
               <a:t>14.</a:t>
             </a:r>
             <a:r>
               <a:rPr lang="zh-TW" altLang="zh-TW" dirty="0"/>
-              <a:t>道成了肉身，住在我們中間，充充滿滿地有恩典有真理。我們也見過他的榮光，正是父獨生子的榮光。</a:t>
+              <a:t>因此，我在父面前屈膝，</a:t>
+            </a:r>
+            <a:endParaRPr lang="zh-TW" altLang="en-US" sz="6600" dirty="0"/>
+          </a:p>
+        </p:txBody>
+      </p:sp>
+    </p:spTree>
+  </p:cSld>
+  <p:clrMapOvr>
+    <a:masterClrMapping/>
+  </p:clrMapOvr>
+</p:sld>
+</file>
+
+<file path=ppt/slides/slide69.xml><?xml version="1.0" encoding="utf-8"?>
+<p:sld xmlns:a="http://schemas.openxmlformats.org/drawingml/2006/main" xmlns:p="http://schemas.openxmlformats.org/presentationml/2006/main" xmlns:r="http://schemas.openxmlformats.org/officeDocument/2006/relationships">
+  <p:cSld>
+    <p:spTree>
+      <p:nvGrpSpPr>
+        <p:cNvPr id="1" name=""/>
+        <p:cNvGrpSpPr/>
+        <p:nvPr/>
+      </p:nvGrpSpPr>
+      <p:grpSpPr/>
+      <p:sp>
+        <p:nvSpPr>
+          <p:cNvPr id="2" name="標題 1">
+            <a:extLst>
+              <a:ext uri="{FF2B5EF4-FFF2-40B4-BE49-F238E27FC236}">
+                <a16:creationId xmlns:a16="http://schemas.microsoft.com/office/drawing/2014/main" id="{30048CD0-F832-6351-1E07-07EC2D13A243}"/>
+              </a:ext>
+            </a:extLst>
+          </p:cNvPr>
+          <p:cNvSpPr>
+            <a:spLocks noGrp="1"/>
+          </p:cNvSpPr>
+          <p:nvPr>
+            <p:ph type="title"/>
+          </p:nvPr>
+        </p:nvSpPr>
+        <p:spPr/>
+        <p:txBody>
+          <a:bodyPr/>
+          <a:lstStyle/>
+          <a:p>
+            <a:r>
+              <a:rPr lang="zh-TW" altLang="zh-TW" dirty="0"/>
+              <a:t>以弗所書三章14-20節</a:t>
+            </a:r>
+            <a:r>
+              <a:rPr lang="en-US" altLang="zh-TW" dirty="0"/>
+              <a:t/>
+            </a:r>
+            <a:r>
+              <a:rPr lang="zh-TW" altLang="zh-TW" dirty="0"/>
+              <a:t/>
+            </a:r>
+            <a:endParaRPr lang="zh-TW" altLang="en-US" dirty="0"/>
+          </a:p>
+        </p:txBody>
+      </p:sp>
+      <p:sp>
+        <p:nvSpPr>
+          <p:cNvPr id="3" name="內容版面配置區 2">
+            <a:extLst>
+              <a:ext uri="{FF2B5EF4-FFF2-40B4-BE49-F238E27FC236}">
+                <a16:creationId xmlns:a16="http://schemas.microsoft.com/office/drawing/2014/main" id="{3AC27F14-4E8D-1702-4B7F-E3BB973C780D}"/>
+              </a:ext>
+            </a:extLst>
+          </p:cNvPr>
+          <p:cNvSpPr>
+            <a:spLocks noGrp="1"/>
+          </p:cNvSpPr>
+          <p:nvPr>
+            <p:ph idx="1"/>
+          </p:nvPr>
+        </p:nvSpPr>
+        <p:spPr/>
+        <p:txBody>
+          <a:bodyPr/>
+          <a:lstStyle/>
+          <a:p>
+            <a:pPr marL="1163638" indent="-1163638"/>
+            <a:r>
+              <a:rPr lang="en-US" altLang="zh-TW" sz="6600" dirty="0"/>
+              <a:t>15.</a:t>
+            </a:r>
+            <a:r>
+              <a:rPr lang="zh-TW" altLang="zh-TW" dirty="0"/>
+              <a:t>（天上地上的各（或譯：全）家，都是從他得名。）</a:t>
             </a:r>
             <a:endParaRPr lang="zh-TW" altLang="en-US" sz="6600" dirty="0"/>
           </a:p>
@@ -23352,7 +24142,7 @@
           <a:p>
             <a:r>
               <a:rPr lang="zh-TW" altLang="zh-TW" dirty="0"/>
-              <a:t>士師記十七章</a:t>
+              <a:t>約翰福音十五章1-5節</a:t>
             </a:r>
             <a:r>
               <a:rPr lang="en-US" altLang="zh-TW" dirty="0"/>
@@ -23390,11 +24180,456 @@
             <a:pPr marL="722313" indent="-722313"/>
             <a:r>
               <a:rPr lang="en-US" altLang="zh-TW" sz="6600" dirty="0"/>
-              <a:t>6.</a:t>
+              <a:t>1.</a:t>
             </a:r>
             <a:r>
               <a:rPr lang="zh-TW" altLang="en-US" dirty="0"/>
-              <a:t>那時以色列中沒有王，各人任意而行。</a:t>
+              <a:t>「我是真葡萄樹，我父是栽培的人。</a:t>
+            </a:r>
+            <a:endParaRPr lang="zh-TW" altLang="en-US" sz="6600" dirty="0"/>
+          </a:p>
+        </p:txBody>
+      </p:sp>
+    </p:spTree>
+  </p:cSld>
+  <p:clrMapOvr>
+    <a:masterClrMapping/>
+  </p:clrMapOvr>
+</p:sld>
+</file>
+
+<file path=ppt/slides/slide70.xml><?xml version="1.0" encoding="utf-8"?>
+<p:sld xmlns:a="http://schemas.openxmlformats.org/drawingml/2006/main" xmlns:p="http://schemas.openxmlformats.org/presentationml/2006/main" xmlns:r="http://schemas.openxmlformats.org/officeDocument/2006/relationships">
+  <p:cSld>
+    <p:spTree>
+      <p:nvGrpSpPr>
+        <p:cNvPr id="1" name=""/>
+        <p:cNvGrpSpPr/>
+        <p:nvPr/>
+      </p:nvGrpSpPr>
+      <p:grpSpPr/>
+      <p:sp>
+        <p:nvSpPr>
+          <p:cNvPr id="2" name="標題 1">
+            <a:extLst>
+              <a:ext uri="{FF2B5EF4-FFF2-40B4-BE49-F238E27FC236}">
+                <a16:creationId xmlns:a16="http://schemas.microsoft.com/office/drawing/2014/main" id="{30048CD0-F832-6351-1E07-07EC2D13A243}"/>
+              </a:ext>
+            </a:extLst>
+          </p:cNvPr>
+          <p:cNvSpPr>
+            <a:spLocks noGrp="1"/>
+          </p:cNvSpPr>
+          <p:nvPr>
+            <p:ph type="title"/>
+          </p:nvPr>
+        </p:nvSpPr>
+        <p:spPr/>
+        <p:txBody>
+          <a:bodyPr/>
+          <a:lstStyle/>
+          <a:p>
+            <a:r>
+              <a:rPr lang="zh-TW" altLang="zh-TW" dirty="0"/>
+              <a:t>以弗所書三章14-20節</a:t>
+            </a:r>
+            <a:r>
+              <a:rPr lang="en-US" altLang="zh-TW" dirty="0"/>
+              <a:t/>
+            </a:r>
+            <a:r>
+              <a:rPr lang="zh-TW" altLang="zh-TW" dirty="0"/>
+              <a:t/>
+            </a:r>
+            <a:endParaRPr lang="zh-TW" altLang="en-US" dirty="0"/>
+          </a:p>
+        </p:txBody>
+      </p:sp>
+      <p:sp>
+        <p:nvSpPr>
+          <p:cNvPr id="3" name="內容版面配置區 2">
+            <a:extLst>
+              <a:ext uri="{FF2B5EF4-FFF2-40B4-BE49-F238E27FC236}">
+                <a16:creationId xmlns:a16="http://schemas.microsoft.com/office/drawing/2014/main" id="{3AC27F14-4E8D-1702-4B7F-E3BB973C780D}"/>
+              </a:ext>
+            </a:extLst>
+          </p:cNvPr>
+          <p:cNvSpPr>
+            <a:spLocks noGrp="1"/>
+          </p:cNvSpPr>
+          <p:nvPr>
+            <p:ph idx="1"/>
+          </p:nvPr>
+        </p:nvSpPr>
+        <p:spPr/>
+        <p:txBody>
+          <a:bodyPr/>
+          <a:lstStyle/>
+          <a:p>
+            <a:pPr marL="1163638" indent="-1163638"/>
+            <a:r>
+              <a:rPr lang="en-US" altLang="zh-TW" sz="6600" dirty="0"/>
+              <a:t>16.</a:t>
+            </a:r>
+            <a:r>
+              <a:rPr lang="zh-TW" altLang="zh-TW" dirty="0"/>
+              <a:t>求他按著他豐盛的榮耀，藉著他的靈，叫你們心裡的力量剛強起來，</a:t>
+            </a:r>
+            <a:endParaRPr lang="zh-TW" altLang="en-US" sz="6600" dirty="0"/>
+          </a:p>
+        </p:txBody>
+      </p:sp>
+    </p:spTree>
+  </p:cSld>
+  <p:clrMapOvr>
+    <a:masterClrMapping/>
+  </p:clrMapOvr>
+</p:sld>
+</file>
+
+<file path=ppt/slides/slide71.xml><?xml version="1.0" encoding="utf-8"?>
+<p:sld xmlns:a="http://schemas.openxmlformats.org/drawingml/2006/main" xmlns:p="http://schemas.openxmlformats.org/presentationml/2006/main" xmlns:r="http://schemas.openxmlformats.org/officeDocument/2006/relationships">
+  <p:cSld>
+    <p:spTree>
+      <p:nvGrpSpPr>
+        <p:cNvPr id="1" name=""/>
+        <p:cNvGrpSpPr/>
+        <p:nvPr/>
+      </p:nvGrpSpPr>
+      <p:grpSpPr/>
+      <p:sp>
+        <p:nvSpPr>
+          <p:cNvPr id="2" name="標題 1">
+            <a:extLst>
+              <a:ext uri="{FF2B5EF4-FFF2-40B4-BE49-F238E27FC236}">
+                <a16:creationId xmlns:a16="http://schemas.microsoft.com/office/drawing/2014/main" id="{30048CD0-F832-6351-1E07-07EC2D13A243}"/>
+              </a:ext>
+            </a:extLst>
+          </p:cNvPr>
+          <p:cNvSpPr>
+            <a:spLocks noGrp="1"/>
+          </p:cNvSpPr>
+          <p:nvPr>
+            <p:ph type="title"/>
+          </p:nvPr>
+        </p:nvSpPr>
+        <p:spPr/>
+        <p:txBody>
+          <a:bodyPr/>
+          <a:lstStyle/>
+          <a:p>
+            <a:r>
+              <a:rPr lang="zh-TW" altLang="zh-TW" dirty="0"/>
+              <a:t>以弗所書三章14-20節</a:t>
+            </a:r>
+            <a:r>
+              <a:rPr lang="en-US" altLang="zh-TW" dirty="0"/>
+              <a:t/>
+            </a:r>
+            <a:r>
+              <a:rPr lang="zh-TW" altLang="zh-TW" dirty="0"/>
+              <a:t/>
+            </a:r>
+            <a:endParaRPr lang="zh-TW" altLang="en-US" dirty="0"/>
+          </a:p>
+        </p:txBody>
+      </p:sp>
+      <p:sp>
+        <p:nvSpPr>
+          <p:cNvPr id="3" name="內容版面配置區 2">
+            <a:extLst>
+              <a:ext uri="{FF2B5EF4-FFF2-40B4-BE49-F238E27FC236}">
+                <a16:creationId xmlns:a16="http://schemas.microsoft.com/office/drawing/2014/main" id="{3AC27F14-4E8D-1702-4B7F-E3BB973C780D}"/>
+              </a:ext>
+            </a:extLst>
+          </p:cNvPr>
+          <p:cNvSpPr>
+            <a:spLocks noGrp="1"/>
+          </p:cNvSpPr>
+          <p:nvPr>
+            <p:ph idx="1"/>
+          </p:nvPr>
+        </p:nvSpPr>
+        <p:spPr/>
+        <p:txBody>
+          <a:bodyPr/>
+          <a:lstStyle/>
+          <a:p>
+            <a:pPr marL="1163638" indent="-1163638"/>
+            <a:r>
+              <a:rPr lang="en-US" altLang="zh-TW" sz="6600" dirty="0"/>
+              <a:t>17.</a:t>
+            </a:r>
+            <a:r>
+              <a:rPr lang="zh-TW" altLang="zh-TW" dirty="0"/>
+              <a:t>使基督因你們的信，住在你們心裡，叫你們的愛心有根有基，</a:t>
+            </a:r>
+            <a:endParaRPr lang="zh-TW" altLang="en-US" sz="6600" dirty="0"/>
+          </a:p>
+        </p:txBody>
+      </p:sp>
+    </p:spTree>
+  </p:cSld>
+  <p:clrMapOvr>
+    <a:masterClrMapping/>
+  </p:clrMapOvr>
+</p:sld>
+</file>
+
+<file path=ppt/slides/slide72.xml><?xml version="1.0" encoding="utf-8"?>
+<p:sld xmlns:a="http://schemas.openxmlformats.org/drawingml/2006/main" xmlns:p="http://schemas.openxmlformats.org/presentationml/2006/main" xmlns:r="http://schemas.openxmlformats.org/officeDocument/2006/relationships">
+  <p:cSld>
+    <p:spTree>
+      <p:nvGrpSpPr>
+        <p:cNvPr id="1" name=""/>
+        <p:cNvGrpSpPr/>
+        <p:nvPr/>
+      </p:nvGrpSpPr>
+      <p:grpSpPr/>
+      <p:sp>
+        <p:nvSpPr>
+          <p:cNvPr id="2" name="標題 1">
+            <a:extLst>
+              <a:ext uri="{FF2B5EF4-FFF2-40B4-BE49-F238E27FC236}">
+                <a16:creationId xmlns:a16="http://schemas.microsoft.com/office/drawing/2014/main" id="{30048CD0-F832-6351-1E07-07EC2D13A243}"/>
+              </a:ext>
+            </a:extLst>
+          </p:cNvPr>
+          <p:cNvSpPr>
+            <a:spLocks noGrp="1"/>
+          </p:cNvSpPr>
+          <p:nvPr>
+            <p:ph type="title"/>
+          </p:nvPr>
+        </p:nvSpPr>
+        <p:spPr/>
+        <p:txBody>
+          <a:bodyPr/>
+          <a:lstStyle/>
+          <a:p>
+            <a:r>
+              <a:rPr lang="zh-TW" altLang="zh-TW" dirty="0"/>
+              <a:t>以弗所書三章14-20節</a:t>
+            </a:r>
+            <a:r>
+              <a:rPr lang="en-US" altLang="zh-TW" dirty="0"/>
+              <a:t/>
+            </a:r>
+            <a:r>
+              <a:rPr lang="zh-TW" altLang="zh-TW" dirty="0"/>
+              <a:t/>
+            </a:r>
+            <a:endParaRPr lang="zh-TW" altLang="en-US" dirty="0"/>
+          </a:p>
+        </p:txBody>
+      </p:sp>
+      <p:sp>
+        <p:nvSpPr>
+          <p:cNvPr id="3" name="內容版面配置區 2">
+            <a:extLst>
+              <a:ext uri="{FF2B5EF4-FFF2-40B4-BE49-F238E27FC236}">
+                <a16:creationId xmlns:a16="http://schemas.microsoft.com/office/drawing/2014/main" id="{3AC27F14-4E8D-1702-4B7F-E3BB973C780D}"/>
+              </a:ext>
+            </a:extLst>
+          </p:cNvPr>
+          <p:cNvSpPr>
+            <a:spLocks noGrp="1"/>
+          </p:cNvSpPr>
+          <p:nvPr>
+            <p:ph idx="1"/>
+          </p:nvPr>
+        </p:nvSpPr>
+        <p:spPr/>
+        <p:txBody>
+          <a:bodyPr/>
+          <a:lstStyle/>
+          <a:p>
+            <a:pPr marL="1163638" indent="-1163638"/>
+            <a:r>
+              <a:rPr lang="en-US" altLang="zh-TW" sz="6600" dirty="0"/>
+              <a:t>18.</a:t>
+            </a:r>
+            <a:r>
+              <a:rPr lang="zh-TW" altLang="zh-TW" dirty="0"/>
+              <a:t>能以和眾聖徒一同明白基督的愛是何等長闊高深，</a:t>
+            </a:r>
+            <a:endParaRPr lang="zh-TW" altLang="en-US" sz="6600" dirty="0"/>
+          </a:p>
+        </p:txBody>
+      </p:sp>
+    </p:spTree>
+  </p:cSld>
+  <p:clrMapOvr>
+    <a:masterClrMapping/>
+  </p:clrMapOvr>
+</p:sld>
+</file>
+
+<file path=ppt/slides/slide73.xml><?xml version="1.0" encoding="utf-8"?>
+<p:sld xmlns:a="http://schemas.openxmlformats.org/drawingml/2006/main" xmlns:p="http://schemas.openxmlformats.org/presentationml/2006/main" xmlns:r="http://schemas.openxmlformats.org/officeDocument/2006/relationships">
+  <p:cSld>
+    <p:spTree>
+      <p:nvGrpSpPr>
+        <p:cNvPr id="1" name=""/>
+        <p:cNvGrpSpPr/>
+        <p:nvPr/>
+      </p:nvGrpSpPr>
+      <p:grpSpPr/>
+      <p:sp>
+        <p:nvSpPr>
+          <p:cNvPr id="2" name="標題 1">
+            <a:extLst>
+              <a:ext uri="{FF2B5EF4-FFF2-40B4-BE49-F238E27FC236}">
+                <a16:creationId xmlns:a16="http://schemas.microsoft.com/office/drawing/2014/main" id="{30048CD0-F832-6351-1E07-07EC2D13A243}"/>
+              </a:ext>
+            </a:extLst>
+          </p:cNvPr>
+          <p:cNvSpPr>
+            <a:spLocks noGrp="1"/>
+          </p:cNvSpPr>
+          <p:nvPr>
+            <p:ph type="title"/>
+          </p:nvPr>
+        </p:nvSpPr>
+        <p:spPr/>
+        <p:txBody>
+          <a:bodyPr/>
+          <a:lstStyle/>
+          <a:p>
+            <a:r>
+              <a:rPr lang="zh-TW" altLang="zh-TW" dirty="0"/>
+              <a:t>以弗所書三章14-20節</a:t>
+            </a:r>
+            <a:r>
+              <a:rPr lang="en-US" altLang="zh-TW" dirty="0"/>
+              <a:t/>
+            </a:r>
+            <a:r>
+              <a:rPr lang="zh-TW" altLang="zh-TW" dirty="0"/>
+              <a:t/>
+            </a:r>
+            <a:endParaRPr lang="zh-TW" altLang="en-US" dirty="0"/>
+          </a:p>
+        </p:txBody>
+      </p:sp>
+      <p:sp>
+        <p:nvSpPr>
+          <p:cNvPr id="3" name="內容版面配置區 2">
+            <a:extLst>
+              <a:ext uri="{FF2B5EF4-FFF2-40B4-BE49-F238E27FC236}">
+                <a16:creationId xmlns:a16="http://schemas.microsoft.com/office/drawing/2014/main" id="{3AC27F14-4E8D-1702-4B7F-E3BB973C780D}"/>
+              </a:ext>
+            </a:extLst>
+          </p:cNvPr>
+          <p:cNvSpPr>
+            <a:spLocks noGrp="1"/>
+          </p:cNvSpPr>
+          <p:nvPr>
+            <p:ph idx="1"/>
+          </p:nvPr>
+        </p:nvSpPr>
+        <p:spPr/>
+        <p:txBody>
+          <a:bodyPr/>
+          <a:lstStyle/>
+          <a:p>
+            <a:pPr marL="1163638" indent="-1163638"/>
+            <a:r>
+              <a:rPr lang="en-US" altLang="zh-TW" sz="6600" dirty="0"/>
+              <a:t>19.</a:t>
+            </a:r>
+            <a:r>
+              <a:rPr lang="zh-TW" altLang="zh-TW" dirty="0"/>
+              <a:t>並知道這愛是過於人所能測度的，便叫 神一切所充滿的，充滿了你們。</a:t>
+            </a:r>
+            <a:endParaRPr lang="zh-TW" altLang="en-US" sz="6600" dirty="0"/>
+          </a:p>
+        </p:txBody>
+      </p:sp>
+    </p:spTree>
+  </p:cSld>
+  <p:clrMapOvr>
+    <a:masterClrMapping/>
+  </p:clrMapOvr>
+</p:sld>
+</file>
+
+<file path=ppt/slides/slide74.xml><?xml version="1.0" encoding="utf-8"?>
+<p:sld xmlns:a="http://schemas.openxmlformats.org/drawingml/2006/main" xmlns:p="http://schemas.openxmlformats.org/presentationml/2006/main" xmlns:r="http://schemas.openxmlformats.org/officeDocument/2006/relationships">
+  <p:cSld>
+    <p:spTree>
+      <p:nvGrpSpPr>
+        <p:cNvPr id="1" name=""/>
+        <p:cNvGrpSpPr/>
+        <p:nvPr/>
+      </p:nvGrpSpPr>
+      <p:grpSpPr/>
+      <p:sp>
+        <p:nvSpPr>
+          <p:cNvPr id="2" name="標題 1">
+            <a:extLst>
+              <a:ext uri="{FF2B5EF4-FFF2-40B4-BE49-F238E27FC236}">
+                <a16:creationId xmlns:a16="http://schemas.microsoft.com/office/drawing/2014/main" id="{30048CD0-F832-6351-1E07-07EC2D13A243}"/>
+              </a:ext>
+            </a:extLst>
+          </p:cNvPr>
+          <p:cNvSpPr>
+            <a:spLocks noGrp="1"/>
+          </p:cNvSpPr>
+          <p:nvPr>
+            <p:ph type="title"/>
+          </p:nvPr>
+        </p:nvSpPr>
+        <p:spPr/>
+        <p:txBody>
+          <a:bodyPr/>
+          <a:lstStyle/>
+          <a:p>
+            <a:r>
+              <a:rPr lang="zh-TW" altLang="zh-TW" dirty="0"/>
+              <a:t>以弗所書三章14-20節</a:t>
+            </a:r>
+            <a:r>
+              <a:rPr lang="en-US" altLang="zh-TW" dirty="0"/>
+              <a:t/>
+            </a:r>
+            <a:r>
+              <a:rPr lang="zh-TW" altLang="zh-TW" dirty="0"/>
+              <a:t/>
+            </a:r>
+            <a:endParaRPr lang="zh-TW" altLang="en-US" dirty="0"/>
+          </a:p>
+        </p:txBody>
+      </p:sp>
+      <p:sp>
+        <p:nvSpPr>
+          <p:cNvPr id="3" name="內容版面配置區 2">
+            <a:extLst>
+              <a:ext uri="{FF2B5EF4-FFF2-40B4-BE49-F238E27FC236}">
+                <a16:creationId xmlns:a16="http://schemas.microsoft.com/office/drawing/2014/main" id="{3AC27F14-4E8D-1702-4B7F-E3BB973C780D}"/>
+              </a:ext>
+            </a:extLst>
+          </p:cNvPr>
+          <p:cNvSpPr>
+            <a:spLocks noGrp="1"/>
+          </p:cNvSpPr>
+          <p:nvPr>
+            <p:ph idx="1"/>
+          </p:nvPr>
+        </p:nvSpPr>
+        <p:spPr/>
+        <p:txBody>
+          <a:bodyPr/>
+          <a:lstStyle/>
+          <a:p>
+            <a:pPr marL="1163638" indent="-1163638"/>
+            <a:r>
+              <a:rPr lang="en-US" altLang="zh-TW" sz="6600" dirty="0"/>
+              <a:t>20.</a:t>
+            </a:r>
+            <a:r>
+              <a:rPr lang="zh-TW" altLang="zh-TW" dirty="0"/>
+              <a:t>神能照著運行在我們心裡的大力充充足足地成就一切，超過我們所求所想的。</a:t>
             </a:r>
             <a:endParaRPr lang="zh-TW" altLang="en-US" sz="6600" dirty="0"/>
           </a:p>
@@ -23423,7 +24658,7 @@
           <p:cNvPr id="2" name="標題 1">
             <a:extLst>
               <a:ext uri="{FF2B5EF4-FFF2-40B4-BE49-F238E27FC236}">
-                <a16:creationId xmlns:a16="http://schemas.microsoft.com/office/drawing/2014/main" id="{30048CD0-F832-6351-1E07-07EC2D13A243}"/>
+                <a16:creationId xmlns:a16="http://schemas.microsoft.com/office/drawing/2014/main" id="{910BCF18-74FE-EDED-EFCD-12C29802E62C}"/>
               </a:ext>
             </a:extLst>
           </p:cNvPr>
@@ -23441,7 +24676,7 @@
           <a:p>
             <a:r>
               <a:rPr lang="zh-TW" altLang="zh-TW" dirty="0"/>
-              <a:t>士師記十七章</a:t>
+              <a:t>約翰福音十五章1-5節</a:t>
             </a:r>
             <a:r>
               <a:rPr lang="en-US" altLang="zh-TW" dirty="0"/>
@@ -23460,7 +24695,7 @@
           <p:cNvPr id="3" name="內容版面配置區 2">
             <a:extLst>
               <a:ext uri="{FF2B5EF4-FFF2-40B4-BE49-F238E27FC236}">
-                <a16:creationId xmlns:a16="http://schemas.microsoft.com/office/drawing/2014/main" id="{3AC27F14-4E8D-1702-4B7F-E3BB973C780D}"/>
+                <a16:creationId xmlns:a16="http://schemas.microsoft.com/office/drawing/2014/main" id="{11AD545B-D8C2-8589-43A3-DE3C6CE675FA}"/>
               </a:ext>
             </a:extLst>
           </p:cNvPr>
@@ -23476,14 +24711,14 @@
           <a:bodyPr/>
           <a:lstStyle/>
           <a:p>
-            <a:pPr marL="1163638" indent="-1163638"/>
+            <a:pPr marL="722313" indent="-722313"/>
             <a:r>
               <a:rPr lang="en-US" altLang="zh-TW" sz="6600" dirty="0"/>
-              <a:t>13.</a:t>
-            </a:r>
-            <a:r>
-              <a:rPr lang="zh-TW" altLang="zh-TW" dirty="0"/>
-              <a:t>米迦說：「現在我知道耶和華必賜福與我，因我有一個利未人作祭司。」</a:t>
+              <a:t>2.</a:t>
+            </a:r>
+            <a:r>
+              <a:rPr lang="zh-TW" altLang="en-US" dirty="0"/>
+              <a:t>凡屬我不結果子的枝子，他就剪去；凡結果子的，他就修理乾淨，使枝子結果子更多。</a:t>
             </a:r>
             <a:endParaRPr lang="zh-TW" altLang="en-US" sz="6600" dirty="0"/>
           </a:p>
@@ -23530,7 +24765,7 @@
           <a:p>
             <a:r>
               <a:rPr lang="zh-TW" altLang="zh-TW" dirty="0"/>
-              <a:t>士師記十七章</a:t>
+              <a:t>約翰福音十五章1-5節</a:t>
             </a:r>
             <a:r>
               <a:rPr lang="en-US" altLang="zh-TW" dirty="0"/>
@@ -23568,11 +24803,11 @@
             <a:pPr marL="722313" indent="-722313"/>
             <a:r>
               <a:rPr lang="en-US" altLang="zh-TW" sz="6600" dirty="0"/>
-              <a:t>1.</a:t>
+              <a:t>3.</a:t>
             </a:r>
             <a:r>
               <a:rPr lang="zh-TW" altLang="en-US" dirty="0"/>
-              <a:t>那時，以色列中沒有王。但支派的人仍是尋地居住；因為到那日子，他們還沒有在以色列支派中得地為業。</a:t>
+              <a:t>現在你們因我講給你們的道，已經乾淨了。</a:t>
             </a:r>
             <a:endParaRPr lang="zh-TW" altLang="en-US" sz="6600" dirty="0"/>
           </a:p>
